--- a/_site/lectures/Lecture01/Lecture01.pptx
+++ b/_site/lectures/Lecture01/Lecture01.pptx
@@ -234,7 +234,7 @@
           <a:p>
             <a:fld id="{0F9C1CCF-B725-44A7-AA57-5E433BD85C9F}" type="datetimeFigureOut">
               <a:rPr lang="en-US" smtClean="0"/>
-              <a:t>9/13/22</a:t>
+              <a:t>9/28/22</a:t>
             </a:fld>
             <a:endParaRPr lang="en-US"/>
           </a:p>
@@ -794,13 +794,10 @@
             <a:normAutofit/>
           </a:bodyPr>
           <a:lstStyle>
-            <a:lvl1pPr algn="ctr">
+            <a:lvl1pPr algn="l">
               <a:defRPr sz="3600">
                 <a:solidFill>
-                  <a:schemeClr val="tx1">
-                    <a:lumMod val="75000"/>
-                    <a:lumOff val="25000"/>
-                  </a:schemeClr>
+                  <a:schemeClr val="tx1"/>
                 </a:solidFill>
               </a:defRPr>
             </a:lvl1pPr>
@@ -841,7 +838,7 @@
             <a:normAutofit/>
           </a:bodyPr>
           <a:lstStyle>
-            <a:lvl1pPr marL="0" indent="0" algn="ctr">
+            <a:lvl1pPr marL="0" indent="0" algn="l">
               <a:buNone/>
               <a:defRPr sz="1800" b="0">
                 <a:solidFill>
@@ -917,10 +914,7 @@
             <a:lvl1pPr>
               <a:defRPr sz="2000">
                 <a:solidFill>
-                  <a:schemeClr val="tx1">
-                    <a:lumMod val="75000"/>
-                    <a:lumOff val="25000"/>
-                  </a:schemeClr>
+                  <a:schemeClr val="tx1"/>
                 </a:solidFill>
               </a:defRPr>
             </a:lvl1pPr>
@@ -929,9 +923,9 @@
             <a:fld id="{241EB5C9-1307-BA42-ABA2-0BC069CD8E7F}" type="datetimeFigureOut">
               <a:rPr lang="en-US" smtClean="0"/>
               <a:pPr/>
-              <a:t>9/13/22</a:t>
+              <a:t>9/28/22</a:t>
             </a:fld>
-            <a:endParaRPr lang="en-US"/>
+            <a:endParaRPr lang="en-US" dirty="0"/>
           </a:p>
         </p:txBody>
       </p:sp>
@@ -1242,7 +1236,7 @@
             <a:fld id="{241EB5C9-1307-BA42-ABA2-0BC069CD8E7F}" type="datetimeFigureOut">
               <a:rPr lang="en-US" smtClean="0"/>
               <a:pPr/>
-              <a:t>9/13/22</a:t>
+              <a:t>9/28/22</a:t>
             </a:fld>
             <a:endParaRPr lang="en-US"/>
           </a:p>
@@ -1560,7 +1554,7 @@
             <a:fld id="{241EB5C9-1307-BA42-ABA2-0BC069CD8E7F}" type="datetimeFigureOut">
               <a:rPr lang="en-US" smtClean="0"/>
               <a:pPr/>
-              <a:t>9/13/22</a:t>
+              <a:t>9/28/22</a:t>
             </a:fld>
             <a:endParaRPr lang="en-US"/>
           </a:p>
@@ -1711,7 +1705,7 @@
             <a:normAutofit/>
           </a:bodyPr>
           <a:lstStyle>
-            <a:lvl1pPr algn="ctr">
+            <a:lvl1pPr algn="l">
               <a:defRPr sz="3600">
                 <a:solidFill>
                   <a:srgbClr val="3C5A72"/>
@@ -1755,7 +1749,7 @@
             <a:normAutofit/>
           </a:bodyPr>
           <a:lstStyle>
-            <a:lvl1pPr marL="0" indent="0" algn="ctr">
+            <a:lvl1pPr marL="0" indent="0" algn="l">
               <a:buNone/>
               <a:defRPr sz="2000" b="0">
                 <a:solidFill>
@@ -1876,7 +1870,7 @@
           <a:p>
             <a:fld id="{241EB5C9-1307-BA42-ABA2-0BC069CD8E7F}" type="datetimeFigureOut">
               <a:rPr lang="en-US" smtClean="0"/>
-              <a:t>9/13/22</a:t>
+              <a:t>9/28/22</a:t>
             </a:fld>
             <a:endParaRPr lang="en-US"/>
           </a:p>
@@ -1993,7 +1987,7 @@
         <p:spPr>
           <a:xfrm>
             <a:off x="838200" y="365129"/>
-            <a:ext cx="10515600" cy="1325563"/>
+            <a:ext cx="10002520" cy="1325563"/>
           </a:xfrm>
           <a:prstGeom prst="rect">
             <a:avLst/>
@@ -2007,173 +2001,185 @@
             <a:lvl1pPr>
               <a:defRPr sz="3200">
                 <a:solidFill>
+                  <a:schemeClr val="tx1"/>
+                </a:solidFill>
+                <a:latin typeface="Atkinson Hyperlegible" pitchFamily="2" charset="0"/>
+                <a:cs typeface="Arial" panose="020B0604020202020204" pitchFamily="34" charset="0"/>
+              </a:defRPr>
+            </a:lvl1pPr>
+          </a:lstStyle>
+          <a:p>
+            <a:r>
+              <a:rPr lang="en-GB" dirty="0"/>
+              <a:t>Click to edit Master title style</a:t>
+            </a:r>
+            <a:endParaRPr lang="en-US" dirty="0"/>
+          </a:p>
+        </p:txBody>
+      </p:sp>
+      <p:sp>
+        <p:nvSpPr>
+          <p:cNvPr id="3" name="Content Placeholder 2">
+            <a:extLst>
+              <a:ext uri="{FF2B5EF4-FFF2-40B4-BE49-F238E27FC236}">
+                <a16:creationId xmlns:a16="http://schemas.microsoft.com/office/drawing/2014/main" id="{A4EB24F9-04F1-C843-9D71-56C5C024552B}"/>
+              </a:ext>
+            </a:extLst>
+          </p:cNvPr>
+          <p:cNvSpPr>
+            <a:spLocks noGrp="1"/>
+          </p:cNvSpPr>
+          <p:nvPr>
+            <p:ph idx="1"/>
+          </p:nvPr>
+        </p:nvSpPr>
+        <p:spPr/>
+        <p:txBody>
+          <a:bodyPr/>
+          <a:lstStyle>
+            <a:lvl1pPr>
+              <a:lnSpc>
+                <a:spcPct val="100000"/>
+              </a:lnSpc>
+              <a:spcBef>
+                <a:spcPts val="1000"/>
+              </a:spcBef>
+              <a:defRPr>
+                <a:solidFill>
+                  <a:schemeClr val="tx1"/>
+                </a:solidFill>
+                <a:latin typeface="Atkinson Hyperlegible" pitchFamily="2" charset="0"/>
+                <a:cs typeface="Arial" panose="020B0604020202020204" pitchFamily="34" charset="0"/>
+              </a:defRPr>
+            </a:lvl1pPr>
+            <a:lvl2pPr>
+              <a:lnSpc>
+                <a:spcPct val="100000"/>
+              </a:lnSpc>
+              <a:spcBef>
+                <a:spcPts val="1000"/>
+              </a:spcBef>
+              <a:defRPr>
+                <a:solidFill>
+                  <a:schemeClr val="tx1"/>
+                </a:solidFill>
+                <a:latin typeface="Atkinson Hyperlegible" pitchFamily="2" charset="0"/>
+                <a:cs typeface="Arial" panose="020B0604020202020204" pitchFamily="34" charset="0"/>
+              </a:defRPr>
+            </a:lvl2pPr>
+            <a:lvl3pPr>
+              <a:lnSpc>
+                <a:spcPct val="100000"/>
+              </a:lnSpc>
+              <a:spcBef>
+                <a:spcPts val="1000"/>
+              </a:spcBef>
+              <a:defRPr>
+                <a:solidFill>
+                  <a:schemeClr val="tx1"/>
+                </a:solidFill>
+                <a:latin typeface="Atkinson Hyperlegible" pitchFamily="2" charset="0"/>
+                <a:cs typeface="Arial" panose="020B0604020202020204" pitchFamily="34" charset="0"/>
+              </a:defRPr>
+            </a:lvl3pPr>
+            <a:lvl4pPr>
+              <a:lnSpc>
+                <a:spcPct val="100000"/>
+              </a:lnSpc>
+              <a:spcBef>
+                <a:spcPts val="1000"/>
+              </a:spcBef>
+              <a:defRPr>
+                <a:solidFill>
+                  <a:schemeClr val="tx1"/>
+                </a:solidFill>
+                <a:latin typeface="Atkinson Hyperlegible" pitchFamily="2" charset="0"/>
+                <a:cs typeface="Arial" panose="020B0604020202020204" pitchFamily="34" charset="0"/>
+              </a:defRPr>
+            </a:lvl4pPr>
+            <a:lvl5pPr>
+              <a:lnSpc>
+                <a:spcPct val="100000"/>
+              </a:lnSpc>
+              <a:spcBef>
+                <a:spcPts val="1000"/>
+              </a:spcBef>
+              <a:defRPr>
+                <a:solidFill>
+                  <a:schemeClr val="tx1"/>
+                </a:solidFill>
+                <a:latin typeface="Atkinson Hyperlegible" pitchFamily="2" charset="0"/>
+                <a:cs typeface="Arial" panose="020B0604020202020204" pitchFamily="34" charset="0"/>
+              </a:defRPr>
+            </a:lvl5pPr>
+          </a:lstStyle>
+          <a:p>
+            <a:pPr lvl="0"/>
+            <a:r>
+              <a:rPr lang="en-GB" dirty="0"/>
+              <a:t>Click to edit Master text styles</a:t>
+            </a:r>
+          </a:p>
+          <a:p>
+            <a:pPr lvl="1"/>
+            <a:r>
+              <a:rPr lang="en-GB" dirty="0"/>
+              <a:t>Second level</a:t>
+            </a:r>
+          </a:p>
+          <a:p>
+            <a:pPr lvl="2"/>
+            <a:r>
+              <a:rPr lang="en-GB" dirty="0"/>
+              <a:t>Third level</a:t>
+            </a:r>
+          </a:p>
+          <a:p>
+            <a:pPr lvl="3"/>
+            <a:r>
+              <a:rPr lang="en-GB" dirty="0"/>
+              <a:t>Fourth level</a:t>
+            </a:r>
+          </a:p>
+          <a:p>
+            <a:pPr lvl="4"/>
+            <a:r>
+              <a:rPr lang="en-GB" dirty="0"/>
+              <a:t>Fifth level</a:t>
+            </a:r>
+            <a:endParaRPr lang="en-US" dirty="0"/>
+          </a:p>
+        </p:txBody>
+      </p:sp>
+      <p:sp>
+        <p:nvSpPr>
+          <p:cNvPr id="4" name="Date Placeholder 3">
+            <a:extLst>
+              <a:ext uri="{FF2B5EF4-FFF2-40B4-BE49-F238E27FC236}">
+                <a16:creationId xmlns:a16="http://schemas.microsoft.com/office/drawing/2014/main" id="{A53559EF-BAB7-0E42-9E60-A03A3B0DDE32}"/>
+              </a:ext>
+            </a:extLst>
+          </p:cNvPr>
+          <p:cNvSpPr>
+            <a:spLocks noGrp="1"/>
+          </p:cNvSpPr>
+          <p:nvPr>
+            <p:ph type="dt" sz="half" idx="10"/>
+          </p:nvPr>
+        </p:nvSpPr>
+        <p:spPr/>
+        <p:txBody>
+          <a:bodyPr/>
+          <a:lstStyle>
+            <a:lvl1pPr>
+              <a:defRPr>
+                <a:solidFill>
                   <a:schemeClr val="tx1">
                     <a:lumMod val="75000"/>
                     <a:lumOff val="25000"/>
                   </a:schemeClr>
                 </a:solidFill>
                 <a:latin typeface="Atkinson Hyperlegible" pitchFamily="2" charset="0"/>
-                <a:cs typeface="Arial" panose="020B0604020202020204" pitchFamily="34" charset="0"/>
-              </a:defRPr>
-            </a:lvl1pPr>
-          </a:lstStyle>
-          <a:p>
-            <a:r>
-              <a:rPr lang="en-GB" dirty="0"/>
-              <a:t>Click to edit Master title style</a:t>
-            </a:r>
-            <a:endParaRPr lang="en-US" dirty="0"/>
-          </a:p>
-        </p:txBody>
-      </p:sp>
-      <p:sp>
-        <p:nvSpPr>
-          <p:cNvPr id="3" name="Content Placeholder 2">
-            <a:extLst>
-              <a:ext uri="{FF2B5EF4-FFF2-40B4-BE49-F238E27FC236}">
-                <a16:creationId xmlns:a16="http://schemas.microsoft.com/office/drawing/2014/main" id="{A4EB24F9-04F1-C843-9D71-56C5C024552B}"/>
-              </a:ext>
-            </a:extLst>
-          </p:cNvPr>
-          <p:cNvSpPr>
-            <a:spLocks noGrp="1"/>
-          </p:cNvSpPr>
-          <p:nvPr>
-            <p:ph idx="1"/>
-          </p:nvPr>
-        </p:nvSpPr>
-        <p:spPr/>
-        <p:txBody>
-          <a:bodyPr/>
-          <a:lstStyle>
-            <a:lvl1pPr>
-              <a:defRPr>
-                <a:solidFill>
-                  <a:schemeClr val="tx1">
-                    <a:lumMod val="75000"/>
-                    <a:lumOff val="25000"/>
-                  </a:schemeClr>
-                </a:solidFill>
-                <a:latin typeface="Atkinson Hyperlegible" pitchFamily="2" charset="0"/>
-                <a:cs typeface="Arial" panose="020B0604020202020204" pitchFamily="34" charset="0"/>
-              </a:defRPr>
-            </a:lvl1pPr>
-            <a:lvl2pPr>
-              <a:defRPr>
-                <a:solidFill>
-                  <a:schemeClr val="tx1">
-                    <a:lumMod val="75000"/>
-                    <a:lumOff val="25000"/>
-                  </a:schemeClr>
-                </a:solidFill>
-                <a:latin typeface="Atkinson Hyperlegible" pitchFamily="2" charset="0"/>
-                <a:cs typeface="Arial" panose="020B0604020202020204" pitchFamily="34" charset="0"/>
-              </a:defRPr>
-            </a:lvl2pPr>
-            <a:lvl3pPr>
-              <a:defRPr>
-                <a:solidFill>
-                  <a:schemeClr val="tx1">
-                    <a:lumMod val="75000"/>
-                    <a:lumOff val="25000"/>
-                  </a:schemeClr>
-                </a:solidFill>
-                <a:latin typeface="Atkinson Hyperlegible" pitchFamily="2" charset="0"/>
-                <a:cs typeface="Arial" panose="020B0604020202020204" pitchFamily="34" charset="0"/>
-              </a:defRPr>
-            </a:lvl3pPr>
-            <a:lvl4pPr>
-              <a:defRPr>
-                <a:solidFill>
-                  <a:schemeClr val="tx1">
-                    <a:lumMod val="75000"/>
-                    <a:lumOff val="25000"/>
-                  </a:schemeClr>
-                </a:solidFill>
-                <a:latin typeface="Atkinson Hyperlegible" pitchFamily="2" charset="0"/>
-                <a:cs typeface="Arial" panose="020B0604020202020204" pitchFamily="34" charset="0"/>
-              </a:defRPr>
-            </a:lvl4pPr>
-            <a:lvl5pPr>
-              <a:defRPr>
-                <a:solidFill>
-                  <a:schemeClr val="tx1">
-                    <a:lumMod val="75000"/>
-                    <a:lumOff val="25000"/>
-                  </a:schemeClr>
-                </a:solidFill>
-                <a:latin typeface="Atkinson Hyperlegible" pitchFamily="2" charset="0"/>
-                <a:cs typeface="Arial" panose="020B0604020202020204" pitchFamily="34" charset="0"/>
-              </a:defRPr>
-            </a:lvl5pPr>
-          </a:lstStyle>
-          <a:p>
-            <a:pPr lvl="0"/>
-            <a:r>
-              <a:rPr lang="en-GB" dirty="0"/>
-              <a:t>Click to edit Master text styles</a:t>
-            </a:r>
-          </a:p>
-          <a:p>
-            <a:pPr lvl="1"/>
-            <a:r>
-              <a:rPr lang="en-GB" dirty="0"/>
-              <a:t>Second level</a:t>
-            </a:r>
-          </a:p>
-          <a:p>
-            <a:pPr lvl="2"/>
-            <a:r>
-              <a:rPr lang="en-GB" dirty="0"/>
-              <a:t>Third level</a:t>
-            </a:r>
-          </a:p>
-          <a:p>
-            <a:pPr lvl="3"/>
-            <a:r>
-              <a:rPr lang="en-GB" dirty="0"/>
-              <a:t>Fourth level</a:t>
-            </a:r>
-          </a:p>
-          <a:p>
-            <a:pPr lvl="4"/>
-            <a:r>
-              <a:rPr lang="en-GB" dirty="0"/>
-              <a:t>Fifth level</a:t>
-            </a:r>
-            <a:endParaRPr lang="en-US" dirty="0"/>
-          </a:p>
-        </p:txBody>
-      </p:sp>
-      <p:sp>
-        <p:nvSpPr>
-          <p:cNvPr id="4" name="Date Placeholder 3">
-            <a:extLst>
-              <a:ext uri="{FF2B5EF4-FFF2-40B4-BE49-F238E27FC236}">
-                <a16:creationId xmlns:a16="http://schemas.microsoft.com/office/drawing/2014/main" id="{A53559EF-BAB7-0E42-9E60-A03A3B0DDE32}"/>
-              </a:ext>
-            </a:extLst>
-          </p:cNvPr>
-          <p:cNvSpPr>
-            <a:spLocks noGrp="1"/>
-          </p:cNvSpPr>
-          <p:nvPr>
-            <p:ph type="dt" sz="half" idx="10"/>
-          </p:nvPr>
-        </p:nvSpPr>
-        <p:spPr/>
-        <p:txBody>
-          <a:bodyPr/>
-          <a:lstStyle>
-            <a:lvl1pPr>
-              <a:defRPr>
-                <a:solidFill>
-                  <a:schemeClr val="tx1">
-                    <a:lumMod val="75000"/>
-                    <a:lumOff val="25000"/>
-                  </a:schemeClr>
-                </a:solidFill>
-                <a:latin typeface="Atkinson Hyperlegible" pitchFamily="2" charset="0"/>
               </a:defRPr>
             </a:lvl1pPr>
           </a:lstStyle>
@@ -2181,7 +2187,7 @@
             <a:fld id="{241EB5C9-1307-BA42-ABA2-0BC069CD8E7F}" type="datetimeFigureOut">
               <a:rPr lang="en-US" smtClean="0"/>
               <a:pPr/>
-              <a:t>9/13/22</a:t>
+              <a:t>9/28/22</a:t>
             </a:fld>
             <a:endParaRPr lang="en-US"/>
           </a:p>
@@ -2334,13 +2340,10 @@
             <a:normAutofit/>
           </a:bodyPr>
           <a:lstStyle>
-            <a:lvl1pPr algn="ctr">
+            <a:lvl1pPr algn="l">
               <a:defRPr sz="4400">
                 <a:solidFill>
-                  <a:schemeClr val="tx1">
-                    <a:lumMod val="75000"/>
-                    <a:lumOff val="25000"/>
-                  </a:schemeClr>
+                  <a:schemeClr val="tx1"/>
                 </a:solidFill>
               </a:defRPr>
             </a:lvl1pPr>
@@ -2377,7 +2380,7 @@
           <a:p>
             <a:fld id="{241EB5C9-1307-BA42-ABA2-0BC069CD8E7F}" type="datetimeFigureOut">
               <a:rPr lang="en-US" smtClean="0"/>
-              <a:t>9/13/22</a:t>
+              <a:t>9/28/22</a:t>
             </a:fld>
             <a:endParaRPr lang="en-US"/>
           </a:p>
@@ -2549,6 +2552,12 @@
           <a:bodyPr/>
           <a:lstStyle>
             <a:lvl1pPr>
+              <a:lnSpc>
+                <a:spcPct val="100000"/>
+              </a:lnSpc>
+              <a:spcBef>
+                <a:spcPts val="1000"/>
+              </a:spcBef>
               <a:defRPr>
                 <a:solidFill>
                   <a:schemeClr val="tx1">
@@ -2561,6 +2570,12 @@
               </a:defRPr>
             </a:lvl1pPr>
             <a:lvl2pPr>
+              <a:lnSpc>
+                <a:spcPct val="100000"/>
+              </a:lnSpc>
+              <a:spcBef>
+                <a:spcPts val="1000"/>
+              </a:spcBef>
               <a:defRPr>
                 <a:solidFill>
                   <a:schemeClr val="tx1">
@@ -2573,6 +2588,12 @@
               </a:defRPr>
             </a:lvl2pPr>
             <a:lvl3pPr>
+              <a:lnSpc>
+                <a:spcPct val="100000"/>
+              </a:lnSpc>
+              <a:spcBef>
+                <a:spcPts val="1000"/>
+              </a:spcBef>
               <a:defRPr>
                 <a:solidFill>
                   <a:schemeClr val="tx1">
@@ -2585,6 +2606,12 @@
               </a:defRPr>
             </a:lvl3pPr>
             <a:lvl4pPr>
+              <a:lnSpc>
+                <a:spcPct val="100000"/>
+              </a:lnSpc>
+              <a:spcBef>
+                <a:spcPts val="1000"/>
+              </a:spcBef>
               <a:defRPr>
                 <a:solidFill>
                   <a:schemeClr val="tx1">
@@ -2597,6 +2624,12 @@
               </a:defRPr>
             </a:lvl4pPr>
             <a:lvl5pPr>
+              <a:lnSpc>
+                <a:spcPct val="100000"/>
+              </a:lnSpc>
+              <a:spcBef>
+                <a:spcPts val="1000"/>
+              </a:spcBef>
               <a:defRPr>
                 <a:solidFill>
                   <a:schemeClr val="tx1">
@@ -2673,6 +2706,12 @@
           <a:bodyPr/>
           <a:lstStyle>
             <a:lvl1pPr>
+              <a:lnSpc>
+                <a:spcPct val="100000"/>
+              </a:lnSpc>
+              <a:spcBef>
+                <a:spcPts val="1000"/>
+              </a:spcBef>
               <a:defRPr>
                 <a:solidFill>
                   <a:schemeClr val="tx1">
@@ -2685,6 +2724,12 @@
               </a:defRPr>
             </a:lvl1pPr>
             <a:lvl2pPr>
+              <a:lnSpc>
+                <a:spcPct val="100000"/>
+              </a:lnSpc>
+              <a:spcBef>
+                <a:spcPts val="1000"/>
+              </a:spcBef>
               <a:defRPr>
                 <a:solidFill>
                   <a:schemeClr val="tx1">
@@ -2697,6 +2742,12 @@
               </a:defRPr>
             </a:lvl2pPr>
             <a:lvl3pPr>
+              <a:lnSpc>
+                <a:spcPct val="100000"/>
+              </a:lnSpc>
+              <a:spcBef>
+                <a:spcPts val="1000"/>
+              </a:spcBef>
               <a:defRPr>
                 <a:solidFill>
                   <a:schemeClr val="tx1">
@@ -2709,6 +2760,12 @@
               </a:defRPr>
             </a:lvl3pPr>
             <a:lvl4pPr>
+              <a:lnSpc>
+                <a:spcPct val="100000"/>
+              </a:lnSpc>
+              <a:spcBef>
+                <a:spcPts val="1000"/>
+              </a:spcBef>
               <a:defRPr>
                 <a:solidFill>
                   <a:schemeClr val="tx1">
@@ -2721,6 +2778,12 @@
               </a:defRPr>
             </a:lvl4pPr>
             <a:lvl5pPr>
+              <a:lnSpc>
+                <a:spcPct val="100000"/>
+              </a:lnSpc>
+              <a:spcBef>
+                <a:spcPts val="1000"/>
+              </a:spcBef>
               <a:defRPr>
                 <a:solidFill>
                   <a:schemeClr val="tx1">
@@ -2806,7 +2869,7 @@
             <a:fld id="{241EB5C9-1307-BA42-ABA2-0BC069CD8E7F}" type="datetimeFigureOut">
               <a:rPr lang="en-US" smtClean="0"/>
               <a:pPr/>
-              <a:t>9/13/22</a:t>
+              <a:t>9/28/22</a:t>
             </a:fld>
             <a:endParaRPr lang="en-US"/>
           </a:p>
@@ -3082,6 +3145,12 @@
           <a:bodyPr/>
           <a:lstStyle>
             <a:lvl1pPr>
+              <a:lnSpc>
+                <a:spcPct val="100000"/>
+              </a:lnSpc>
+              <a:spcBef>
+                <a:spcPts val="1000"/>
+              </a:spcBef>
               <a:defRPr>
                 <a:solidFill>
                   <a:schemeClr val="tx1">
@@ -3092,6 +3161,12 @@
               </a:defRPr>
             </a:lvl1pPr>
             <a:lvl2pPr>
+              <a:lnSpc>
+                <a:spcPct val="100000"/>
+              </a:lnSpc>
+              <a:spcBef>
+                <a:spcPts val="1000"/>
+              </a:spcBef>
               <a:defRPr>
                 <a:solidFill>
                   <a:schemeClr val="tx1">
@@ -3102,6 +3177,12 @@
               </a:defRPr>
             </a:lvl2pPr>
             <a:lvl3pPr>
+              <a:lnSpc>
+                <a:spcPct val="100000"/>
+              </a:lnSpc>
+              <a:spcBef>
+                <a:spcPts val="1000"/>
+              </a:spcBef>
               <a:defRPr>
                 <a:solidFill>
                   <a:schemeClr val="tx1">
@@ -3112,6 +3193,12 @@
               </a:defRPr>
             </a:lvl3pPr>
             <a:lvl4pPr>
+              <a:lnSpc>
+                <a:spcPct val="100000"/>
+              </a:lnSpc>
+              <a:spcBef>
+                <a:spcPts val="1000"/>
+              </a:spcBef>
               <a:defRPr>
                 <a:solidFill>
                   <a:schemeClr val="tx1">
@@ -3122,6 +3209,12 @@
               </a:defRPr>
             </a:lvl4pPr>
             <a:lvl5pPr>
+              <a:lnSpc>
+                <a:spcPct val="100000"/>
+              </a:lnSpc>
+              <a:spcBef>
+                <a:spcPts val="1000"/>
+              </a:spcBef>
               <a:defRPr>
                 <a:solidFill>
                   <a:schemeClr val="tx1">
@@ -3276,6 +3369,12 @@
           <a:bodyPr/>
           <a:lstStyle>
             <a:lvl1pPr>
+              <a:lnSpc>
+                <a:spcPct val="100000"/>
+              </a:lnSpc>
+              <a:spcBef>
+                <a:spcPts val="1000"/>
+              </a:spcBef>
               <a:defRPr>
                 <a:solidFill>
                   <a:schemeClr val="tx1">
@@ -3286,6 +3385,12 @@
               </a:defRPr>
             </a:lvl1pPr>
             <a:lvl2pPr>
+              <a:lnSpc>
+                <a:spcPct val="100000"/>
+              </a:lnSpc>
+              <a:spcBef>
+                <a:spcPts val="1000"/>
+              </a:spcBef>
               <a:defRPr>
                 <a:solidFill>
                   <a:schemeClr val="tx1">
@@ -3296,6 +3401,12 @@
               </a:defRPr>
             </a:lvl2pPr>
             <a:lvl3pPr>
+              <a:lnSpc>
+                <a:spcPct val="100000"/>
+              </a:lnSpc>
+              <a:spcBef>
+                <a:spcPts val="1000"/>
+              </a:spcBef>
               <a:defRPr>
                 <a:solidFill>
                   <a:schemeClr val="tx1">
@@ -3306,6 +3417,12 @@
               </a:defRPr>
             </a:lvl3pPr>
             <a:lvl4pPr>
+              <a:lnSpc>
+                <a:spcPct val="100000"/>
+              </a:lnSpc>
+              <a:spcBef>
+                <a:spcPts val="1000"/>
+              </a:spcBef>
               <a:defRPr>
                 <a:solidFill>
                   <a:schemeClr val="tx1">
@@ -3316,6 +3433,12 @@
               </a:defRPr>
             </a:lvl4pPr>
             <a:lvl5pPr>
+              <a:lnSpc>
+                <a:spcPct val="100000"/>
+              </a:lnSpc>
+              <a:spcBef>
+                <a:spcPts val="1000"/>
+              </a:spcBef>
               <a:defRPr>
                 <a:solidFill>
                   <a:schemeClr val="tx1">
@@ -3329,38 +3452,38 @@
           <a:p>
             <a:pPr lvl="0"/>
             <a:r>
-              <a:rPr lang="en-GB"/>
+              <a:rPr lang="en-GB" dirty="0"/>
               <a:t>Click to edit Master text styles</a:t>
             </a:r>
           </a:p>
           <a:p>
             <a:pPr lvl="1"/>
             <a:r>
-              <a:rPr lang="en-GB"/>
+              <a:rPr lang="en-GB" dirty="0"/>
               <a:t>Second level</a:t>
             </a:r>
           </a:p>
           <a:p>
             <a:pPr lvl="2"/>
             <a:r>
-              <a:rPr lang="en-GB"/>
+              <a:rPr lang="en-GB" dirty="0"/>
               <a:t>Third level</a:t>
             </a:r>
           </a:p>
           <a:p>
             <a:pPr lvl="3"/>
             <a:r>
-              <a:rPr lang="en-GB"/>
+              <a:rPr lang="en-GB" dirty="0"/>
               <a:t>Fourth level</a:t>
             </a:r>
           </a:p>
           <a:p>
             <a:pPr lvl="4"/>
             <a:r>
-              <a:rPr lang="en-GB"/>
+              <a:rPr lang="en-GB" dirty="0"/>
               <a:t>Fifth level</a:t>
             </a:r>
-            <a:endParaRPr lang="en-US"/>
+            <a:endParaRPr lang="en-US" dirty="0"/>
           </a:p>
         </p:txBody>
       </p:sp>
@@ -3399,7 +3522,7 @@
             <a:fld id="{241EB5C9-1307-BA42-ABA2-0BC069CD8E7F}" type="datetimeFigureOut">
               <a:rPr lang="en-US" smtClean="0"/>
               <a:pPr/>
-              <a:t>9/13/22</a:t>
+              <a:t>9/28/22</a:t>
             </a:fld>
             <a:endParaRPr lang="en-US"/>
           </a:p>
@@ -3603,7 +3726,7 @@
             <a:fld id="{241EB5C9-1307-BA42-ABA2-0BC069CD8E7F}" type="datetimeFigureOut">
               <a:rPr lang="en-US" smtClean="0"/>
               <a:pPr/>
-              <a:t>9/13/22</a:t>
+              <a:t>9/28/22</a:t>
             </a:fld>
             <a:endParaRPr lang="en-US"/>
           </a:p>
@@ -3747,7 +3870,7 @@
           <a:p>
             <a:fld id="{241EB5C9-1307-BA42-ABA2-0BC069CD8E7F}" type="datetimeFigureOut">
               <a:rPr lang="en-US" smtClean="0"/>
-              <a:t>9/13/22</a:t>
+              <a:t>9/28/22</a:t>
             </a:fld>
             <a:endParaRPr lang="en-US"/>
           </a:p>
@@ -3921,6 +4044,12 @@
           <a:bodyPr/>
           <a:lstStyle>
             <a:lvl1pPr>
+              <a:lnSpc>
+                <a:spcPct val="100000"/>
+              </a:lnSpc>
+              <a:spcBef>
+                <a:spcPts val="1000"/>
+              </a:spcBef>
               <a:defRPr sz="1800">
                 <a:solidFill>
                   <a:schemeClr val="tx1">
@@ -3931,6 +4060,12 @@
               </a:defRPr>
             </a:lvl1pPr>
             <a:lvl2pPr>
+              <a:lnSpc>
+                <a:spcPct val="100000"/>
+              </a:lnSpc>
+              <a:spcBef>
+                <a:spcPts val="1000"/>
+              </a:spcBef>
               <a:defRPr sz="1575">
                 <a:solidFill>
                   <a:schemeClr val="tx1">
@@ -3941,6 +4076,12 @@
               </a:defRPr>
             </a:lvl2pPr>
             <a:lvl3pPr>
+              <a:lnSpc>
+                <a:spcPct val="100000"/>
+              </a:lnSpc>
+              <a:spcBef>
+                <a:spcPts val="1000"/>
+              </a:spcBef>
               <a:defRPr sz="1350">
                 <a:solidFill>
                   <a:schemeClr val="tx1">
@@ -3951,6 +4092,12 @@
               </a:defRPr>
             </a:lvl3pPr>
             <a:lvl4pPr>
+              <a:lnSpc>
+                <a:spcPct val="100000"/>
+              </a:lnSpc>
+              <a:spcBef>
+                <a:spcPts val="1000"/>
+              </a:spcBef>
               <a:defRPr sz="1125">
                 <a:solidFill>
                   <a:schemeClr val="tx1">
@@ -3961,6 +4108,12 @@
               </a:defRPr>
             </a:lvl4pPr>
             <a:lvl5pPr>
+              <a:lnSpc>
+                <a:spcPct val="100000"/>
+              </a:lnSpc>
+              <a:spcBef>
+                <a:spcPts val="1000"/>
+              </a:spcBef>
               <a:defRPr sz="1125">
                 <a:solidFill>
                   <a:schemeClr val="tx1">
@@ -4136,7 +4289,7 @@
             <a:fld id="{241EB5C9-1307-BA42-ABA2-0BC069CD8E7F}" type="datetimeFigureOut">
               <a:rPr lang="en-US" smtClean="0"/>
               <a:pPr/>
-              <a:t>9/13/22</a:t>
+              <a:t>9/28/22</a:t>
             </a:fld>
             <a:endParaRPr lang="en-US"/>
           </a:p>
@@ -4500,7 +4653,7 @@
             <a:fld id="{241EB5C9-1307-BA42-ABA2-0BC069CD8E7F}" type="datetimeFigureOut">
               <a:rPr lang="en-US" smtClean="0"/>
               <a:pPr/>
-              <a:t>9/13/22</a:t>
+              <a:t>9/28/22</a:t>
             </a:fld>
             <a:endParaRPr lang="en-US"/>
           </a:p>
@@ -4610,10 +4763,9 @@
     <p:bg>
       <p:bgPr>
         <a:solidFill>
-          <a:schemeClr val="accent4">
-            <a:lumMod val="20000"/>
-            <a:lumOff val="80000"/>
-            <a:alpha val="10335"/>
+          <a:schemeClr val="bg1">
+            <a:lumMod val="95000"/>
+            <a:alpha val="0"/>
           </a:schemeClr>
         </a:solidFill>
         <a:effectLst/>
@@ -4745,7 +4897,7 @@
             <a:fld id="{241EB5C9-1307-BA42-ABA2-0BC069CD8E7F}" type="datetimeFigureOut">
               <a:rPr lang="en-US" smtClean="0"/>
               <a:pPr/>
-              <a:t>9/13/22</a:t>
+              <a:t>9/28/22</a:t>
             </a:fld>
             <a:endParaRPr lang="en-US"/>
           </a:p>
@@ -4770,7 +4922,7 @@
         <p:spPr>
           <a:xfrm>
             <a:off x="8610600" y="6356354"/>
-            <a:ext cx="2743200" cy="365125"/>
+            <a:ext cx="1993710" cy="365125"/>
           </a:xfrm>
           <a:prstGeom prst="rect">
             <a:avLst/>
@@ -4885,6 +5037,36 @@
           </a:p>
         </p:txBody>
       </p:sp>
+      <p:pic>
+        <p:nvPicPr>
+          <p:cNvPr descr="A picture containing text, primate, monitor, indoor  Description automatically generated" id="5" name="Picture 4">
+            <a:extLst>
+              <a:ext uri="{FF2B5EF4-FFF2-40B4-BE49-F238E27FC236}">
+                <a16:creationId xmlns:a16="http://schemas.microsoft.com/office/drawing/2014/main" id="{95BB2492-9F7E-285B-479F-BD1BD9B4CC01}"/>
+              </a:ext>
+            </a:extLst>
+          </p:cNvPr>
+          <p:cNvPicPr>
+            <a:picLocks noChangeAspect="1"/>
+          </p:cNvPicPr>
+          <p:nvPr userDrawn="1"/>
+        </p:nvPicPr>
+        <p:blipFill>
+          <a:blip r:embed="rId14"/>
+          <a:stretch>
+            <a:fillRect/>
+          </a:stretch>
+        </p:blipFill>
+        <p:spPr>
+          <a:xfrm>
+            <a:off x="10822010" y="5566889"/>
+            <a:ext cx="1063580" cy="1220148"/>
+          </a:xfrm>
+          <a:prstGeom prst="rect">
+            <a:avLst/>
+          </a:prstGeom>
+        </p:spPr>
+      </p:pic>
     </p:spTree>
     <p:extLst>
       <p:ext uri="{BB962C8B-B14F-4D97-AF65-F5344CB8AC3E}">
@@ -4919,10 +5101,7 @@
         <a:buNone/>
         <a:defRPr b="1" baseline="0" i="0" kern="1200" sz="3200">
           <a:solidFill>
-            <a:schemeClr val="tx1">
-              <a:lumMod val="75000"/>
-              <a:lumOff val="25000"/>
-            </a:schemeClr>
+            <a:schemeClr val="tx1"/>
           </a:solidFill>
           <a:latin charset="0" pitchFamily="2" typeface="Atkinson Hyperlegible"/>
           <a:ea typeface="+mj-ea"/>
@@ -4942,10 +5121,7 @@
         <a:buChar char="•"/>
         <a:defRPr b="0" baseline="0" i="0" kern="1200" sz="1800">
           <a:solidFill>
-            <a:schemeClr val="tx1">
-              <a:lumMod val="75000"/>
-              <a:lumOff val="25000"/>
-            </a:schemeClr>
+            <a:schemeClr val="tx1"/>
           </a:solidFill>
           <a:latin charset="0" pitchFamily="2" typeface="Atkinson Hyperlegible"/>
           <a:ea typeface="+mn-ea"/>
@@ -4963,10 +5139,7 @@
         <a:buChar char="•"/>
         <a:defRPr b="0" baseline="0" i="0" kern="1200" sz="1800">
           <a:solidFill>
-            <a:schemeClr val="tx1">
-              <a:lumMod val="75000"/>
-              <a:lumOff val="25000"/>
-            </a:schemeClr>
+            <a:schemeClr val="tx1"/>
           </a:solidFill>
           <a:latin charset="0" pitchFamily="2" typeface="Atkinson Hyperlegible"/>
           <a:ea typeface="+mn-ea"/>
@@ -4984,10 +5157,7 @@
         <a:buChar char="•"/>
         <a:defRPr b="0" baseline="0" i="0" kern="1200" sz="1800">
           <a:solidFill>
-            <a:schemeClr val="tx1">
-              <a:lumMod val="75000"/>
-              <a:lumOff val="25000"/>
-            </a:schemeClr>
+            <a:schemeClr val="tx1"/>
           </a:solidFill>
           <a:latin charset="0" pitchFamily="2" typeface="Atkinson Hyperlegible"/>
           <a:ea typeface="+mn-ea"/>
@@ -5005,10 +5175,7 @@
         <a:buChar char="•"/>
         <a:defRPr b="0" baseline="0" i="0" kern="1200" sz="1800">
           <a:solidFill>
-            <a:schemeClr val="tx1">
-              <a:lumMod val="75000"/>
-              <a:lumOff val="25000"/>
-            </a:schemeClr>
+            <a:schemeClr val="tx1"/>
           </a:solidFill>
           <a:latin charset="0" pitchFamily="2" typeface="Atkinson Hyperlegible"/>
           <a:ea typeface="+mn-ea"/>
@@ -5026,10 +5193,7 @@
         <a:buChar char="•"/>
         <a:defRPr b="0" baseline="0" i="0" kern="1200" sz="1800">
           <a:solidFill>
-            <a:schemeClr val="tx1">
-              <a:lumMod val="75000"/>
-              <a:lumOff val="25000"/>
-            </a:schemeClr>
+            <a:schemeClr val="tx1"/>
           </a:solidFill>
           <a:latin charset="0" pitchFamily="2" typeface="Atkinson Hyperlegible"/>
           <a:ea typeface="+mn-ea"/>
@@ -5378,7 +5542,7 @@
         <p:spPr>
           <a:xfrm>
             <a:off x="838200" y="365129"/>
-            <a:ext cx="10515600" cy="1325563"/>
+            <a:ext cx="10002520" cy="1325563"/>
           </a:xfrm>
           <a:prstGeom prst="rect">
             <a:avLst/>
@@ -5763,7 +5927,7 @@
         <p:spPr>
           <a:xfrm>
             <a:off x="838200" y="365129"/>
-            <a:ext cx="10515600" cy="1325563"/>
+            <a:ext cx="10002520" cy="1325563"/>
           </a:xfrm>
           <a:prstGeom prst="rect">
             <a:avLst/>
@@ -5884,7 +6048,7 @@
         <p:spPr>
           <a:xfrm>
             <a:off x="838200" y="365129"/>
-            <a:ext cx="10515600" cy="1325563"/>
+            <a:ext cx="10002520" cy="1325563"/>
           </a:xfrm>
           <a:prstGeom prst="rect">
             <a:avLst/>
@@ -5976,7 +6140,7 @@
         <p:spPr>
           <a:xfrm>
             <a:off x="838200" y="365129"/>
-            <a:ext cx="10515600" cy="1325563"/>
+            <a:ext cx="10002520" cy="1325563"/>
           </a:xfrm>
           <a:prstGeom prst="rect">
             <a:avLst/>
@@ -6101,7 +6265,7 @@
         <p:spPr>
           <a:xfrm>
             <a:off x="838200" y="365129"/>
-            <a:ext cx="10515600" cy="1325563"/>
+            <a:ext cx="10002520" cy="1325563"/>
           </a:xfrm>
           <a:prstGeom prst="rect">
             <a:avLst/>
@@ -6549,7 +6713,7 @@
         <p:spPr>
           <a:xfrm>
             <a:off x="838200" y="365129"/>
-            <a:ext cx="10515600" cy="1325563"/>
+            <a:ext cx="10002520" cy="1325563"/>
           </a:xfrm>
           <a:prstGeom prst="rect">
             <a:avLst/>
@@ -6610,7 +6774,7 @@
         <p:spPr>
           <a:xfrm>
             <a:off x="838200" y="365129"/>
-            <a:ext cx="10515600" cy="1325563"/>
+            <a:ext cx="10002520" cy="1325563"/>
           </a:xfrm>
           <a:prstGeom prst="rect">
             <a:avLst/>
@@ -6702,7 +6866,7 @@
         <p:spPr>
           <a:xfrm>
             <a:off x="838200" y="365129"/>
-            <a:ext cx="10515600" cy="1325563"/>
+            <a:ext cx="10002520" cy="1325563"/>
           </a:xfrm>
           <a:prstGeom prst="rect">
             <a:avLst/>
@@ -7154,7 +7318,7 @@
         <p:spPr>
           <a:xfrm>
             <a:off x="838200" y="365129"/>
-            <a:ext cx="10515600" cy="1325563"/>
+            <a:ext cx="10002520" cy="1325563"/>
           </a:xfrm>
           <a:prstGeom prst="rect">
             <a:avLst/>
@@ -7246,7 +7410,7 @@
         <p:spPr>
           <a:xfrm>
             <a:off x="838200" y="365129"/>
-            <a:ext cx="10515600" cy="1325563"/>
+            <a:ext cx="10002520" cy="1325563"/>
           </a:xfrm>
           <a:prstGeom prst="rect">
             <a:avLst/>
@@ -7350,7 +7514,7 @@
         <p:spPr>
           <a:xfrm>
             <a:off x="838200" y="365129"/>
-            <a:ext cx="10515600" cy="1325563"/>
+            <a:ext cx="10002520" cy="1325563"/>
           </a:xfrm>
           <a:prstGeom prst="rect">
             <a:avLst/>
@@ -7634,7 +7798,7 @@
         <p:spPr>
           <a:xfrm>
             <a:off x="838200" y="365129"/>
-            <a:ext cx="10515600" cy="1325563"/>
+            <a:ext cx="10002520" cy="1325563"/>
           </a:xfrm>
           <a:prstGeom prst="rect">
             <a:avLst/>
@@ -7735,7 +7899,7 @@
         <p:spPr>
           <a:xfrm>
             <a:off x="838200" y="365129"/>
-            <a:ext cx="10515600" cy="1325563"/>
+            <a:ext cx="10002520" cy="1325563"/>
           </a:xfrm>
           <a:prstGeom prst="rect">
             <a:avLst/>
@@ -7845,7 +8009,7 @@
         <p:spPr>
           <a:xfrm>
             <a:off x="838200" y="365129"/>
-            <a:ext cx="10515600" cy="1325563"/>
+            <a:ext cx="10002520" cy="1325563"/>
           </a:xfrm>
           <a:prstGeom prst="rect">
             <a:avLst/>
@@ -7955,7 +8119,7 @@
         <p:spPr>
           <a:xfrm>
             <a:off x="838200" y="365129"/>
-            <a:ext cx="10515600" cy="1325563"/>
+            <a:ext cx="10002520" cy="1325563"/>
           </a:xfrm>
           <a:prstGeom prst="rect">
             <a:avLst/>
@@ -8065,7 +8229,7 @@
         <p:spPr>
           <a:xfrm>
             <a:off x="838200" y="365129"/>
-            <a:ext cx="10515600" cy="1325563"/>
+            <a:ext cx="10002520" cy="1325563"/>
           </a:xfrm>
           <a:prstGeom prst="rect">
             <a:avLst/>
@@ -8142,7 +8306,7 @@
 <file path=ppt/theme/theme1.xml><?xml version="1.0" encoding="utf-8"?>
 <a:theme xmlns:a="http://schemas.openxmlformats.org/drawingml/2006/main" name="gordonppt">
   <a:themeElements>
-    <a:clrScheme name="Office">
+    <a:clrScheme name="Blue Warm">
       <a:dk1>
         <a:sysClr val="windowText" lastClr="000000"/>
       </a:dk1>
@@ -8150,34 +8314,34 @@
         <a:sysClr val="window" lastClr="FFFFFF"/>
       </a:lt1>
       <a:dk2>
-        <a:srgbClr val="44546A"/>
+        <a:srgbClr val="242852"/>
       </a:dk2>
       <a:lt2>
-        <a:srgbClr val="E7E6E6"/>
+        <a:srgbClr val="ACCBF9"/>
       </a:lt2>
       <a:accent1>
-        <a:srgbClr val="4472C4"/>
+        <a:srgbClr val="4A66AC"/>
       </a:accent1>
       <a:accent2>
-        <a:srgbClr val="ED7D31"/>
+        <a:srgbClr val="629DD1"/>
       </a:accent2>
       <a:accent3>
-        <a:srgbClr val="A5A5A5"/>
+        <a:srgbClr val="297FD5"/>
       </a:accent3>
       <a:accent4>
-        <a:srgbClr val="FFC000"/>
+        <a:srgbClr val="7F8FA9"/>
       </a:accent4>
       <a:accent5>
-        <a:srgbClr val="5B9BD5"/>
+        <a:srgbClr val="5AA2AE"/>
       </a:accent5>
       <a:accent6>
-        <a:srgbClr val="70AD47"/>
+        <a:srgbClr val="9D90A0"/>
       </a:accent6>
       <a:hlink>
-        <a:srgbClr val="0563C1"/>
+        <a:srgbClr val="9454C3"/>
       </a:hlink>
       <a:folHlink>
-        <a:srgbClr val="954F72"/>
+        <a:srgbClr val="3EBBF0"/>
       </a:folHlink>
     </a:clrScheme>
     <a:fontScheme name="Tw Cen MT-Rockwell">

--- a/_site/lectures/Lecture01/Lecture01.pptx
+++ b/_site/lectures/Lecture01/Lecture01.pptx
@@ -5,7 +5,7 @@
     <p:sldMasterId id="2147483686" r:id="rId1"/>
   </p:sldMasterIdLst>
   <p:notesMasterIdLst>
-    <p:notesMasterId r:id="rId29"/>
+    <p:notesMasterId r:id="rId37"/>
   </p:notesMasterIdLst>
   <p:sldIdLst>
     <p:sldId id="256" r:id="rId2"/>
@@ -35,6 +35,14 @@
     <p:sldId id="280" r:id="rId26"/>
     <p:sldId id="281" r:id="rId27"/>
     <p:sldId id="282" r:id="rId28"/>
+    <p:sldId id="283" r:id="rId29"/>
+    <p:sldId id="284" r:id="rId30"/>
+    <p:sldId id="285" r:id="rId31"/>
+    <p:sldId id="286" r:id="rId32"/>
+    <p:sldId id="287" r:id="rId33"/>
+    <p:sldId id="288" r:id="rId34"/>
+    <p:sldId id="289" r:id="rId35"/>
+    <p:sldId id="290" r:id="rId36"/>
   </p:sldIdLst>
   <p:sldSz cx="12192000" cy="6858000"/>
   <p:notesSz cx="6858000" cy="9144000"/>
@@ -234,7 +242,7 @@
           <a:p>
             <a:fld id="{0F9C1CCF-B725-44A7-AA57-5E433BD85C9F}" type="datetimeFigureOut">
               <a:rPr lang="en-US" smtClean="0"/>
-              <a:t>9/28/22</a:t>
+              <a:t>9/30/22</a:t>
             </a:fld>
             <a:endParaRPr lang="en-US"/>
           </a:p>
@@ -550,7 +558,7 @@
             </a:pPr>
             <a:r>
               <a:rPr/>
-              <a:t>Speaker notes (press ‘s’ when presenting to switch to speaker mode).</a:t>
+              <a:t>Like this.</a:t>
             </a:r>
           </a:p>
         </p:txBody>
@@ -572,7 +580,7 @@
           <a:p>
             <a:fld id="{18BDFEC3-8487-43E8-A154-7C12CBC1FFF2}" type="slidenum">
               <a:rPr lang="en-US"/>
-              <a:t>14</a:t>
+              <a:t>31</a:t>
             </a:fld>
             <a:endParaRPr lang="en-US"/>
           </a:p>
@@ -632,7 +640,7 @@
             </a:pPr>
             <a:r>
               <a:rPr/>
-              <a:t>Like this.</a:t>
+              <a:t>Fade out</a:t>
             </a:r>
           </a:p>
         </p:txBody>
@@ -654,89 +662,7 @@
           <a:p>
             <a:fld id="{18BDFEC3-8487-43E8-A154-7C12CBC1FFF2}" type="slidenum">
               <a:rPr lang="en-US"/>
-              <a:t>22</a:t>
-            </a:fld>
-            <a:endParaRPr lang="en-US"/>
-          </a:p>
-        </p:txBody>
-      </p:sp>
-    </p:spTree>
-  </p:cSld>
-</p:notes>
-</file>
-
-<file path=ppt/notesSlides/notesSlide3.xml><?xml version="1.0" encoding="utf-8"?>
-<p:notes xmlns:a="http://schemas.openxmlformats.org/drawingml/2006/main" xmlns:r="http://schemas.openxmlformats.org/officeDocument/2006/relationships" xmlns:p="http://schemas.openxmlformats.org/presentationml/2006/main">
-  <p:cSld>
-    <p:spTree>
-      <p:nvGrpSpPr>
-        <p:cNvPr id="1" name=""/>
-        <p:cNvGrpSpPr/>
-        <p:nvPr/>
-      </p:nvGrpSpPr>
-      <p:grpSpPr>
-        <a:xfrm>
-          <a:off x="0" y="0"/>
-          <a:ext cx="0" cy="0"/>
-          <a:chOff x="0" y="0"/>
-          <a:chExt cx="0" cy="0"/>
-        </a:xfrm>
-      </p:grpSpPr>
-      <p:sp>
-        <p:nvSpPr>
-          <p:cNvPr id="2" name="Slide Image Placeholder 1"/>
-          <p:cNvSpPr>
-            <a:spLocks noGrp="1" noRot="1" noChangeAspect="1"/>
-          </p:cNvSpPr>
-          <p:nvPr>
-            <p:ph type="sldImg"/>
-          </p:nvPr>
-        </p:nvSpPr>
-        <p:spPr/>
-      </p:sp>
-      <p:sp>
-        <p:nvSpPr>
-          <p:cNvPr id="3" name="Notes Placeholder 2"/>
-          <p:cNvSpPr>
-            <a:spLocks noGrp="1"/>
-          </p:cNvSpPr>
-          <p:nvPr>
-            <p:ph type="body" idx="1"/>
-          </p:nvPr>
-        </p:nvSpPr>
-        <p:spPr/>
-        <p:txBody>
-          <a:bodyPr/>
-          <a:lstStyle/>
-          <a:p>
-            <a:pPr lvl="0" indent="0" marL="0">
-              <a:buNone/>
-            </a:pPr>
-            <a:r>
-              <a:rPr/>
-              <a:t>Fade out</a:t>
-            </a:r>
-          </a:p>
-        </p:txBody>
-      </p:sp>
-      <p:sp>
-        <p:nvSpPr>
-          <p:cNvPr id="4" name="Slide Number Placeholder 3"/>
-          <p:cNvSpPr>
-            <a:spLocks noGrp="1"/>
-          </p:cNvSpPr>
-          <p:nvPr>
-            <p:ph type="sldNum" sz="quarter" idx="10"/>
-          </p:nvPr>
-        </p:nvSpPr>
-        <p:spPr/>
-        <p:txBody>
-          <a:bodyPr/>
-          <a:lstStyle/>
-          <a:p>
-            <a:fld id="{18BDFEC3-8487-43E8-A154-7C12CBC1FFF2}" type="slidenum">
-              <a:rPr lang="en-US"/>
-              <a:t>24</a:t>
+              <a:t>33</a:t>
             </a:fld>
             <a:endParaRPr lang="en-US"/>
           </a:p>
@@ -923,7 +849,7 @@
             <a:fld id="{241EB5C9-1307-BA42-ABA2-0BC069CD8E7F}" type="datetimeFigureOut">
               <a:rPr lang="en-US" smtClean="0"/>
               <a:pPr/>
-              <a:t>9/28/22</a:t>
+              <a:t>9/30/22</a:t>
             </a:fld>
             <a:endParaRPr lang="en-US" dirty="0"/>
           </a:p>
@@ -1014,6 +940,36 @@
           </a:p>
         </p:txBody>
       </p:sp>
+      <p:pic>
+        <p:nvPicPr>
+          <p:cNvPr id="7" name="Picture 6" descr="A picture containing text, primate, monitor, indoor&#10;&#10;Description automatically generated">
+            <a:extLst>
+              <a:ext uri="{FF2B5EF4-FFF2-40B4-BE49-F238E27FC236}">
+                <a16:creationId xmlns:a16="http://schemas.microsoft.com/office/drawing/2014/main" id="{B6FBD17D-F718-95C1-DDB9-BB5B65FE2BD9}"/>
+              </a:ext>
+            </a:extLst>
+          </p:cNvPr>
+          <p:cNvPicPr>
+            <a:picLocks noChangeAspect="1"/>
+          </p:cNvPicPr>
+          <p:nvPr userDrawn="1"/>
+        </p:nvPicPr>
+        <p:blipFill>
+          <a:blip r:embed="rId2"/>
+          <a:stretch>
+            <a:fillRect/>
+          </a:stretch>
+        </p:blipFill>
+        <p:spPr>
+          <a:xfrm>
+            <a:off x="10913450" y="151609"/>
+            <a:ext cx="1063580" cy="1220148"/>
+          </a:xfrm>
+          <a:prstGeom prst="rect">
+            <a:avLst/>
+          </a:prstGeom>
+        </p:spPr>
+      </p:pic>
     </p:spTree>
     <p:extLst>
       <p:ext uri="{BB962C8B-B14F-4D97-AF65-F5344CB8AC3E}">
@@ -1236,7 +1192,7 @@
             <a:fld id="{241EB5C9-1307-BA42-ABA2-0BC069CD8E7F}" type="datetimeFigureOut">
               <a:rPr lang="en-US" smtClean="0"/>
               <a:pPr/>
-              <a:t>9/28/22</a:t>
+              <a:t>9/30/22</a:t>
             </a:fld>
             <a:endParaRPr lang="en-US"/>
           </a:p>
@@ -1554,7 +1510,7 @@
             <a:fld id="{241EB5C9-1307-BA42-ABA2-0BC069CD8E7F}" type="datetimeFigureOut">
               <a:rPr lang="en-US" smtClean="0"/>
               <a:pPr/>
-              <a:t>9/28/22</a:t>
+              <a:t>9/30/22</a:t>
             </a:fld>
             <a:endParaRPr lang="en-US"/>
           </a:p>
@@ -1870,7 +1826,7 @@
           <a:p>
             <a:fld id="{241EB5C9-1307-BA42-ABA2-0BC069CD8E7F}" type="datetimeFigureOut">
               <a:rPr lang="en-US" smtClean="0"/>
-              <a:t>9/28/22</a:t>
+              <a:t>9/30/22</a:t>
             </a:fld>
             <a:endParaRPr lang="en-US"/>
           </a:p>
@@ -1938,6 +1894,36 @@
           </a:p>
         </p:txBody>
       </p:sp>
+      <p:pic>
+        <p:nvPicPr>
+          <p:cNvPr id="7" name="Picture 6" descr="A picture containing text, primate, monitor, indoor&#10;&#10;Description automatically generated">
+            <a:extLst>
+              <a:ext uri="{FF2B5EF4-FFF2-40B4-BE49-F238E27FC236}">
+                <a16:creationId xmlns:a16="http://schemas.microsoft.com/office/drawing/2014/main" id="{F4EFD39C-D04F-D648-B6B2-07092A492153}"/>
+              </a:ext>
+            </a:extLst>
+          </p:cNvPr>
+          <p:cNvPicPr>
+            <a:picLocks noChangeAspect="1"/>
+          </p:cNvPicPr>
+          <p:nvPr userDrawn="1"/>
+        </p:nvPicPr>
+        <p:blipFill>
+          <a:blip r:embed="rId2"/>
+          <a:stretch>
+            <a:fillRect/>
+          </a:stretch>
+        </p:blipFill>
+        <p:spPr>
+          <a:xfrm>
+            <a:off x="10964250" y="158272"/>
+            <a:ext cx="1063580" cy="1220148"/>
+          </a:xfrm>
+          <a:prstGeom prst="rect">
+            <a:avLst/>
+          </a:prstGeom>
+        </p:spPr>
+      </p:pic>
     </p:spTree>
     <p:extLst>
       <p:ext uri="{BB962C8B-B14F-4D97-AF65-F5344CB8AC3E}">
@@ -2187,7 +2173,7 @@
             <a:fld id="{241EB5C9-1307-BA42-ABA2-0BC069CD8E7F}" type="datetimeFigureOut">
               <a:rPr lang="en-US" smtClean="0"/>
               <a:pPr/>
-              <a:t>9/28/22</a:t>
+              <a:t>9/30/22</a:t>
             </a:fld>
             <a:endParaRPr lang="en-US"/>
           </a:p>
@@ -2380,7 +2366,7 @@
           <a:p>
             <a:fld id="{241EB5C9-1307-BA42-ABA2-0BC069CD8E7F}" type="datetimeFigureOut">
               <a:rPr lang="en-US" smtClean="0"/>
-              <a:t>9/28/22</a:t>
+              <a:t>9/30/22</a:t>
             </a:fld>
             <a:endParaRPr lang="en-US"/>
           </a:p>
@@ -2448,6 +2434,36 @@
           </a:p>
         </p:txBody>
       </p:sp>
+      <p:pic>
+        <p:nvPicPr>
+          <p:cNvPr id="3" name="Picture 2" descr="A picture containing text, primate, monitor, indoor&#10;&#10;Description automatically generated">
+            <a:extLst>
+              <a:ext uri="{FF2B5EF4-FFF2-40B4-BE49-F238E27FC236}">
+                <a16:creationId xmlns:a16="http://schemas.microsoft.com/office/drawing/2014/main" id="{A8EB6A88-2E41-552F-6E71-A9DFA92F0663}"/>
+              </a:ext>
+            </a:extLst>
+          </p:cNvPr>
+          <p:cNvPicPr>
+            <a:picLocks noChangeAspect="1"/>
+          </p:cNvPicPr>
+          <p:nvPr userDrawn="1"/>
+        </p:nvPicPr>
+        <p:blipFill>
+          <a:blip r:embed="rId2"/>
+          <a:stretch>
+            <a:fillRect/>
+          </a:stretch>
+        </p:blipFill>
+        <p:spPr>
+          <a:xfrm>
+            <a:off x="10994730" y="131289"/>
+            <a:ext cx="1063580" cy="1220148"/>
+          </a:xfrm>
+          <a:prstGeom prst="rect">
+            <a:avLst/>
+          </a:prstGeom>
+        </p:spPr>
+      </p:pic>
     </p:spTree>
     <p:extLst>
       <p:ext uri="{BB962C8B-B14F-4D97-AF65-F5344CB8AC3E}">
@@ -2869,7 +2885,7 @@
             <a:fld id="{241EB5C9-1307-BA42-ABA2-0BC069CD8E7F}" type="datetimeFigureOut">
               <a:rPr lang="en-US" smtClean="0"/>
               <a:pPr/>
-              <a:t>9/28/22</a:t>
+              <a:t>9/30/22</a:t>
             </a:fld>
             <a:endParaRPr lang="en-US"/>
           </a:p>
@@ -3522,7 +3538,7 @@
             <a:fld id="{241EB5C9-1307-BA42-ABA2-0BC069CD8E7F}" type="datetimeFigureOut">
               <a:rPr lang="en-US" smtClean="0"/>
               <a:pPr/>
-              <a:t>9/28/22</a:t>
+              <a:t>9/30/22</a:t>
             </a:fld>
             <a:endParaRPr lang="en-US"/>
           </a:p>
@@ -3726,7 +3742,7 @@
             <a:fld id="{241EB5C9-1307-BA42-ABA2-0BC069CD8E7F}" type="datetimeFigureOut">
               <a:rPr lang="en-US" smtClean="0"/>
               <a:pPr/>
-              <a:t>9/28/22</a:t>
+              <a:t>9/30/22</a:t>
             </a:fld>
             <a:endParaRPr lang="en-US"/>
           </a:p>
@@ -3817,6 +3833,36 @@
           </a:p>
         </p:txBody>
       </p:sp>
+      <p:pic>
+        <p:nvPicPr>
+          <p:cNvPr id="6" name="Picture 5" descr="A picture containing text, primate, monitor, indoor&#10;&#10;Description automatically generated">
+            <a:extLst>
+              <a:ext uri="{FF2B5EF4-FFF2-40B4-BE49-F238E27FC236}">
+                <a16:creationId xmlns:a16="http://schemas.microsoft.com/office/drawing/2014/main" id="{0D355E77-5B2E-A2EF-706B-9C4916EA9A9E}"/>
+              </a:ext>
+            </a:extLst>
+          </p:cNvPr>
+          <p:cNvPicPr>
+            <a:picLocks noChangeAspect="1"/>
+          </p:cNvPicPr>
+          <p:nvPr userDrawn="1"/>
+        </p:nvPicPr>
+        <p:blipFill>
+          <a:blip r:embed="rId2"/>
+          <a:stretch>
+            <a:fillRect/>
+          </a:stretch>
+        </p:blipFill>
+        <p:spPr>
+          <a:xfrm>
+            <a:off x="10994730" y="161769"/>
+            <a:ext cx="1063580" cy="1220148"/>
+          </a:xfrm>
+          <a:prstGeom prst="rect">
+            <a:avLst/>
+          </a:prstGeom>
+        </p:spPr>
+      </p:pic>
     </p:spTree>
     <p:extLst>
       <p:ext uri="{BB962C8B-B14F-4D97-AF65-F5344CB8AC3E}">
@@ -3870,7 +3916,7 @@
           <a:p>
             <a:fld id="{241EB5C9-1307-BA42-ABA2-0BC069CD8E7F}" type="datetimeFigureOut">
               <a:rPr lang="en-US" smtClean="0"/>
-              <a:t>9/28/22</a:t>
+              <a:t>9/30/22</a:t>
             </a:fld>
             <a:endParaRPr lang="en-US"/>
           </a:p>
@@ -4289,7 +4335,7 @@
             <a:fld id="{241EB5C9-1307-BA42-ABA2-0BC069CD8E7F}" type="datetimeFigureOut">
               <a:rPr lang="en-US" smtClean="0"/>
               <a:pPr/>
-              <a:t>9/28/22</a:t>
+              <a:t>9/30/22</a:t>
             </a:fld>
             <a:endParaRPr lang="en-US"/>
           </a:p>
@@ -4653,7 +4699,7 @@
             <a:fld id="{241EB5C9-1307-BA42-ABA2-0BC069CD8E7F}" type="datetimeFigureOut">
               <a:rPr lang="en-US" smtClean="0"/>
               <a:pPr/>
-              <a:t>9/28/22</a:t>
+              <a:t>9/30/22</a:t>
             </a:fld>
             <a:endParaRPr lang="en-US"/>
           </a:p>
@@ -4897,7 +4943,7 @@
             <a:fld id="{241EB5C9-1307-BA42-ABA2-0BC069CD8E7F}" type="datetimeFigureOut">
               <a:rPr lang="en-US" smtClean="0"/>
               <a:pPr/>
-              <a:t>9/28/22</a:t>
+              <a:t>9/30/22</a:t>
             </a:fld>
             <a:endParaRPr lang="en-US"/>
           </a:p>
@@ -5037,36 +5083,6 @@
           </a:p>
         </p:txBody>
       </p:sp>
-      <p:pic>
-        <p:nvPicPr>
-          <p:cNvPr descr="A picture containing text, primate, monitor, indoor  Description automatically generated" id="5" name="Picture 4">
-            <a:extLst>
-              <a:ext uri="{FF2B5EF4-FFF2-40B4-BE49-F238E27FC236}">
-                <a16:creationId xmlns:a16="http://schemas.microsoft.com/office/drawing/2014/main" id="{95BB2492-9F7E-285B-479F-BD1BD9B4CC01}"/>
-              </a:ext>
-            </a:extLst>
-          </p:cNvPr>
-          <p:cNvPicPr>
-            <a:picLocks noChangeAspect="1"/>
-          </p:cNvPicPr>
-          <p:nvPr userDrawn="1"/>
-        </p:nvPicPr>
-        <p:blipFill>
-          <a:blip r:embed="rId14"/>
-          <a:stretch>
-            <a:fillRect/>
-          </a:stretch>
-        </p:blipFill>
-        <p:spPr>
-          <a:xfrm>
-            <a:off x="10822010" y="5566889"/>
-            <a:ext cx="1063580" cy="1220148"/>
-          </a:xfrm>
-          <a:prstGeom prst="rect">
-            <a:avLst/>
-          </a:prstGeom>
-        </p:spPr>
-      </p:pic>
     </p:spTree>
     <p:extLst>
       <p:ext uri="{BB962C8B-B14F-4D97-AF65-F5344CB8AC3E}">
@@ -5557,7 +5573,7 @@
             </a:pPr>
             <a:r>
               <a:rPr/>
-              <a:t>Page with a caution</a:t>
+              <a:t>A friendly warning</a:t>
             </a:r>
           </a:p>
         </p:txBody>
@@ -5583,21 +5599,12 @@
           <a:bodyPr/>
           <a:lstStyle/>
           <a:p>
-            <a:pPr lvl="0" indent="0" marL="0">
-              <a:buNone/>
-            </a:pPr>
-            <a:r>
-              <a:rPr/>
-              <a:t>Here is something I say</a:t>
-            </a:r>
-          </a:p>
-          <a:p>
             <a:pPr lvl="0" indent="0" marL="1270000">
               <a:buNone/>
             </a:pPr>
             <a:r>
               <a:rPr sz="2000" b="1"/>
-              <a:t>Caution</a:t>
+              <a:t>Warning</a:t>
             </a:r>
           </a:p>
           <a:p>
@@ -5606,7 +5613,7 @@
             </a:pPr>
             <a:r>
               <a:rPr sz="2000"/>
-              <a:t>This is something to be cautious about</a:t>
+              <a:t>All coursework is INDIVIDUAL and subject to normal plagiarism and collusion rules</a:t>
             </a:r>
           </a:p>
         </p:txBody>
@@ -5638,7 +5645,7 @@
           <p:cNvPr id="2" name="Title 1">
             <a:extLst>
               <a:ext uri="{FF2B5EF4-FFF2-40B4-BE49-F238E27FC236}">
-                <a16:creationId xmlns:a16="http://schemas.microsoft.com/office/drawing/2014/main" id="{2ECFDBC1-527D-3041-984A-EF5E7E9B7495}"/>
+                <a16:creationId xmlns:a16="http://schemas.microsoft.com/office/drawing/2014/main" id="{DD9B8E45-0772-954C-8D4B-6E6808DFEDED}"/>
               </a:ext>
             </a:extLst>
           </p:cNvPr>
@@ -5652,7 +5659,7 @@
         <p:spPr>
           <a:xfrm>
             <a:off x="838200" y="365129"/>
-            <a:ext cx="10515600" cy="1325563"/>
+            <a:ext cx="10002520" cy="1325563"/>
           </a:xfrm>
           <a:prstGeom prst="rect">
             <a:avLst/>
@@ -5667,7 +5674,7 @@
             </a:pPr>
             <a:r>
               <a:rPr/>
-              <a:t>Two Columns (Text)</a:t>
+              <a:t>Module structure</a:t>
             </a:r>
           </a:p>
         </p:txBody>
@@ -5677,15 +5684,15 @@
           <p:cNvPr id="3" name="Content Placeholder 2">
             <a:extLst>
               <a:ext uri="{FF2B5EF4-FFF2-40B4-BE49-F238E27FC236}">
-                <a16:creationId xmlns:a16="http://schemas.microsoft.com/office/drawing/2014/main" id="{63FA7BF1-44B1-744C-AB68-4BB0A6A5977E}"/>
-              </a:ext>
-            </a:extLst>
-          </p:cNvPr>
-          <p:cNvSpPr>
-            <a:spLocks noGrp="1"/>
-          </p:cNvSpPr>
-          <p:nvPr>
-            <p:ph idx="1" sz="half"/>
+                <a16:creationId xmlns:a16="http://schemas.microsoft.com/office/drawing/2014/main" id="{A4EB24F9-04F1-C843-9D71-56C5C024552B}"/>
+              </a:ext>
+            </a:extLst>
+          </p:cNvPr>
+          <p:cNvSpPr>
+            <a:spLocks noGrp="1"/>
+          </p:cNvSpPr>
+          <p:nvPr>
+            <p:ph idx="1"/>
           </p:nvPr>
         </p:nvSpPr>
         <p:spPr/>
@@ -5698,38 +5705,25 @@
             </a:pPr>
             <a:r>
               <a:rPr/>
-              <a:t>Left column</a:t>
-            </a:r>
-          </a:p>
-        </p:txBody>
-      </p:sp>
-      <p:sp>
-        <p:nvSpPr>
-          <p:cNvPr id="4" name="Content Placeholder 3">
-            <a:extLst>
-              <a:ext uri="{FF2B5EF4-FFF2-40B4-BE49-F238E27FC236}">
-                <a16:creationId xmlns:a16="http://schemas.microsoft.com/office/drawing/2014/main" id="{3B974A49-6A1E-2F48-B419-02B0A17B9692}"/>
-              </a:ext>
-            </a:extLst>
-          </p:cNvPr>
-          <p:cNvSpPr>
-            <a:spLocks noGrp="1"/>
-          </p:cNvSpPr>
-          <p:nvPr>
-            <p:ph idx="2" sz="half"/>
-          </p:nvPr>
-        </p:nvSpPr>
-        <p:spPr/>
-        <p:txBody>
-          <a:bodyPr/>
-          <a:lstStyle/>
+              <a:t>1 x 1 hr Lecture per week (Monday)</a:t>
+            </a:r>
+          </a:p>
           <a:p>
             <a:pPr lvl="0" indent="0" marL="0">
               <a:buNone/>
             </a:pPr>
             <a:r>
               <a:rPr/>
-              <a:t>Right column</a:t>
+              <a:t>1 x 2 hr Lab per week (Tuesday)</a:t>
+            </a:r>
+          </a:p>
+          <a:p>
+            <a:pPr lvl="0" indent="0" marL="0">
+              <a:buNone/>
+            </a:pPr>
+            <a:r>
+              <a:rPr/>
+              <a:t>4 x Personal Tutor meetings across the year</a:t>
             </a:r>
           </a:p>
         </p:txBody>
@@ -5761,7 +5755,7 @@
           <p:cNvPr id="2" name="Title 1">
             <a:extLst>
               <a:ext uri="{FF2B5EF4-FFF2-40B4-BE49-F238E27FC236}">
-                <a16:creationId xmlns:a16="http://schemas.microsoft.com/office/drawing/2014/main" id="{2ECFDBC1-527D-3041-984A-EF5E7E9B7495}"/>
+                <a16:creationId xmlns:a16="http://schemas.microsoft.com/office/drawing/2014/main" id="{DD9B8E45-0772-954C-8D4B-6E6808DFEDED}"/>
               </a:ext>
             </a:extLst>
           </p:cNvPr>
@@ -5775,7 +5769,7 @@
         <p:spPr>
           <a:xfrm>
             <a:off x="838200" y="365129"/>
-            <a:ext cx="10515600" cy="1325563"/>
+            <a:ext cx="10002520" cy="1325563"/>
           </a:xfrm>
           <a:prstGeom prst="rect">
             <a:avLst/>
@@ -5790,7 +5784,7 @@
             </a:pPr>
             <a:r>
               <a:rPr/>
-              <a:t>Two Columns (Text + Image)</a:t>
+              <a:t>Weekly Structure</a:t>
             </a:r>
           </a:p>
         </p:txBody>
@@ -5800,15 +5794,15 @@
           <p:cNvPr id="3" name="Content Placeholder 2">
             <a:extLst>
               <a:ext uri="{FF2B5EF4-FFF2-40B4-BE49-F238E27FC236}">
-                <a16:creationId xmlns:a16="http://schemas.microsoft.com/office/drawing/2014/main" id="{63FA7BF1-44B1-744C-AB68-4BB0A6A5977E}"/>
-              </a:ext>
-            </a:extLst>
-          </p:cNvPr>
-          <p:cNvSpPr>
-            <a:spLocks noGrp="1"/>
-          </p:cNvSpPr>
-          <p:nvPr>
-            <p:ph idx="1" sz="half"/>
+                <a16:creationId xmlns:a16="http://schemas.microsoft.com/office/drawing/2014/main" id="{A4EB24F9-04F1-C843-9D71-56C5C024552B}"/>
+              </a:ext>
+            </a:extLst>
+          </p:cNvPr>
+          <p:cNvSpPr>
+            <a:spLocks noGrp="1"/>
+          </p:cNvSpPr>
+          <p:nvPr>
+            <p:ph idx="1"/>
           </p:nvPr>
         </p:nvSpPr>
         <p:spPr/>
@@ -5821,67 +5815,82 @@
             </a:pPr>
             <a:r>
               <a:rPr/>
-              <a:t>Left column</a:t>
-            </a:r>
-          </a:p>
-        </p:txBody>
-      </p:sp>
-      <p:pic>
-        <p:nvPicPr>
-          <p:cNvPr descr="fig:  images/LMLLOGO.png" id="0" name="Picture 1"/>
-          <p:cNvPicPr>
-            <a:picLocks noGrp="1" noChangeAspect="1"/>
-          </p:cNvPicPr>
-          <p:nvPr/>
-        </p:nvPicPr>
-        <p:blipFill>
-          <a:blip r:embed="rId2"/>
-          <a:stretch>
-            <a:fillRect/>
-          </a:stretch>
-        </p:blipFill>
-        <p:spPr bwMode="auto">
-          <a:xfrm>
-            <a:off x="6845300" y="1816100"/>
-            <a:ext cx="3835400" cy="3835400"/>
-          </a:xfrm>
-          <a:prstGeom prst="rect">
-            <a:avLst/>
-          </a:prstGeom>
-          <a:noFill/>
-          <a:ln w="9525">
-            <a:noFill/>
-            <a:headEnd/>
-            <a:tailEnd/>
-          </a:ln>
-        </p:spPr>
-      </p:pic>
-      <p:sp>
-        <p:nvSpPr>
-          <p:cNvPr id="1" name="TextBox 3"/>
-          <p:cNvSpPr txBox="1"/>
-          <p:nvPr/>
-        </p:nvSpPr>
-        <p:spPr>
-          <a:xfrm>
-            <a:off x="6172200" y="5651500"/>
-            <a:ext cx="5181600" cy="508000"/>
-          </a:xfrm>
-          <a:prstGeom prst="rect">
-            <a:avLst/>
-          </a:prstGeom>
-          <a:noFill/>
-        </p:spPr>
-        <p:txBody>
-          <a:bodyPr/>
-          <a:lstStyle/>
-          <a:p>
-            <a:pPr lvl="0" indent="0" marL="0" algn="ctr">
-              <a:buNone/>
-            </a:pPr>
-            <a:r>
-              <a:rPr/>
-              <a:t>LittleMonkeyLab</a:t>
+              <a:t>Each week there will be a very brief ‘</a:t>
+            </a:r>
+            <a:r>
+              <a:rPr b="1"/>
+              <a:t>Prelude</a:t>
+            </a:r>
+            <a:r>
+              <a:rPr/>
+              <a:t>’ designed to introduce one of the main topics of the week</a:t>
+            </a:r>
+          </a:p>
+          <a:p>
+            <a:pPr lvl="0" indent="0" marL="0">
+              <a:buNone/>
+            </a:pPr>
+            <a:r>
+              <a:rPr b="1"/>
+              <a:t>Lecture</a:t>
+            </a:r>
+            <a:r>
+              <a:rPr/>
+              <a:t> (slides and recording posted afterwards)</a:t>
+            </a:r>
+          </a:p>
+          <a:p>
+            <a:pPr lvl="0" indent="0" marL="0">
+              <a:buNone/>
+            </a:pPr>
+            <a:r>
+              <a:rPr b="1"/>
+              <a:t>Lab Activity</a:t>
+            </a:r>
+          </a:p>
+          <a:p>
+            <a:pPr lvl="0"/>
+            <a:r>
+              <a:rPr b="1"/>
+              <a:t>‘Pulse’</a:t>
+            </a:r>
+            <a:r>
+              <a:rPr/>
+              <a:t> taken on entry - 2 minute quiz</a:t>
+            </a:r>
+          </a:p>
+          <a:p>
+            <a:pPr lvl="0"/>
+            <a:r>
+              <a:rPr b="1"/>
+              <a:t>Lab Notebook</a:t>
+            </a:r>
+            <a:r>
+              <a:rPr/>
+              <a:t> with brief ‘generative activities’ and opportunities for metacognitive reflection</a:t>
+            </a:r>
+          </a:p>
+          <a:p>
+            <a:pPr lvl="0"/>
+            <a:r>
+              <a:rPr/>
+              <a:t>Extras provided around skills or applications or just interesting factoids</a:t>
+            </a:r>
+          </a:p>
+          <a:p>
+            <a:pPr lvl="0"/>
+            <a:r>
+              <a:rPr/>
+              <a:t>Lots can be achieved in the labs, but independent study and coordinated group work will be required</a:t>
+            </a:r>
+          </a:p>
+          <a:p>
+            <a:pPr lvl="0" indent="0" marL="0">
+              <a:buNone/>
+            </a:pPr>
+            <a:r>
+              <a:rPr/>
+              <a:t>NO EXAM</a:t>
             </a:r>
           </a:p>
         </p:txBody>
@@ -5942,7 +5951,7 @@
             </a:pPr>
             <a:r>
               <a:rPr/>
-              <a:t>Slide with different background colour</a:t>
+              <a:t>Coursework</a:t>
             </a:r>
           </a:p>
         </p:txBody>
@@ -5973,36 +5982,7 @@
             </a:pPr>
             <a:r>
               <a:rPr/>
-              <a:t>Shout</a:t>
-            </a:r>
-          </a:p>
-          <a:p>
-            <a:pPr lvl="0" indent="0" marL="0">
-              <a:buNone/>
-            </a:pPr>
-            <a:r>
-              <a:rPr/>
-              <a:t>Question</a:t>
-            </a:r>
-          </a:p>
-          <a:p>
-            <a:pPr lvl="0" indent="0" marL="0">
-              <a:buNone/>
-            </a:pPr>
-            <a:r>
-              <a:rPr/>
-              <a:t>takeaway</a:t>
-            </a:r>
-          </a:p>
-          <a:p>
-            <a:pPr lvl="0" indent="0" marL="0">
-              <a:buNone/>
-            </a:pPr>
-            <a:r>
-              <a:rPr>
-                <a:hlinkClick r:id="rId2"/>
-              </a:rPr>
-              <a:t>A link to the BBC website</a:t>
+              <a:t>The courseworks ALL require critical reflection and metacognitive practice. This will be discussed in a number of lectures, but it contributes to effective learning and your integration of the skills and experience of doing this research exercise.</a:t>
             </a:r>
           </a:p>
         </p:txBody>
@@ -6063,7 +6043,7 @@
             </a:pPr>
             <a:r>
               <a:rPr/>
-              <a:t>Speaker Notes</a:t>
+              <a:t>Time management and teamwork</a:t>
             </a:r>
           </a:p>
         </p:txBody>
@@ -6094,7 +6074,34 @@
             </a:pPr>
             <a:r>
               <a:rPr/>
-              <a:t>Here is some content</a:t>
+              <a:t>..will both be required.</a:t>
+            </a:r>
+          </a:p>
+          <a:p>
+            <a:pPr lvl="0" indent="0" marL="0">
+              <a:buNone/>
+            </a:pPr>
+            <a:r>
+              <a:rPr/>
+              <a:t>I ask you to see both as an opportunity to develop these important skills.</a:t>
+            </a:r>
+          </a:p>
+          <a:p>
+            <a:pPr lvl="0" indent="0" marL="0">
+              <a:buNone/>
+            </a:pPr>
+            <a:r>
+              <a:rPr/>
+              <a:t>You will see we have some ideas to make this more relevant to careers and employability</a:t>
+            </a:r>
+          </a:p>
+          <a:p>
+            <a:pPr lvl="0" indent="0" marL="0">
+              <a:buNone/>
+            </a:pPr>
+            <a:r>
+              <a:rPr/>
+              <a:t>It is easier to ‘keep up than to catch up’.</a:t>
             </a:r>
           </a:p>
         </p:txBody>
@@ -6155,7 +6162,7 @@
             </a:pPr>
             <a:r>
               <a:rPr/>
-              <a:t>Here is a 2 panel tabset</a:t>
+              <a:t>Resources</a:t>
             </a:r>
           </a:p>
         </p:txBody>
@@ -6182,14 +6189,11 @@
           <a:lstStyle/>
           <a:p>
             <a:pPr lvl="0" indent="0" marL="0">
-              <a:spcBef>
-                <a:spcPts val="3000"/>
-              </a:spcBef>
-              <a:buNone/>
-            </a:pPr>
-            <a:r>
-              <a:rPr b="1"/>
-              <a:t>Tab A</a:t>
+              <a:buNone/>
+            </a:pPr>
+            <a:r>
+              <a:rPr/>
+              <a:t>We will be releasing a series of valuable resources to help you through every step of the process</a:t>
             </a:r>
           </a:p>
           <a:p>
@@ -6198,19 +6202,16 @@
             </a:pPr>
             <a:r>
               <a:rPr/>
-              <a:t>Content for Tab A</a:t>
+              <a:t>These will have value for your final year dissertation too.</a:t>
             </a:r>
           </a:p>
           <a:p>
             <a:pPr lvl="0" indent="0" marL="0">
-              <a:spcBef>
-                <a:spcPts val="3000"/>
-              </a:spcBef>
-              <a:buNone/>
-            </a:pPr>
-            <a:r>
-              <a:rPr b="1"/>
-              <a:t>Tab B</a:t>
+              <a:buNone/>
+            </a:pPr>
+            <a:r>
+              <a:rPr/>
+              <a:t>Contribution to and comment on these is welcome and hoped for!</a:t>
             </a:r>
           </a:p>
           <a:p>
@@ -6219,7 +6220,7 @@
             </a:pPr>
             <a:r>
               <a:rPr/>
-              <a:t>Content for Tab B</a:t>
+              <a:t>Open Educational Resources will be used extensively, and most core readings are available online via the library.</a:t>
             </a:r>
           </a:p>
         </p:txBody>
@@ -6280,7 +6281,7 @@
             </a:pPr>
             <a:r>
               <a:rPr/>
-              <a:t>Slide with footnote</a:t>
+              <a:t>Prelude 1</a:t>
             </a:r>
           </a:p>
         </p:txBody>
@@ -6311,17 +6312,7 @@
             </a:pPr>
             <a:r>
               <a:rPr/>
-              <a:t>Very important point</a:t>
-            </a:r>
-            <a:r>
-              <a:rPr baseline="30000">
-                <a:hlinkClick r:id="rId2" action="ppaction://hlinksldjump"/>
-              </a:rPr>
-              <a:t>1</a:t>
-            </a:r>
-            <a:r>
-              <a:rPr/>
-              <a:t> made to the class</a:t>
+              <a:t>We are starting off very easy. A short questionnaire to allow us to get to know you a little better, which we will use to develop the first lecture, and the course more generally.</a:t>
             </a:r>
           </a:p>
         </p:txBody>
@@ -6353,7 +6344,7 @@
           <p:cNvPr id="2" name="Title 1">
             <a:extLst>
               <a:ext uri="{FF2B5EF4-FFF2-40B4-BE49-F238E27FC236}">
-                <a16:creationId xmlns:a16="http://schemas.microsoft.com/office/drawing/2014/main" id="{FF6A6CB2-D1B6-B94A-84C1-83C65423C650}"/>
+                <a16:creationId xmlns:a16="http://schemas.microsoft.com/office/drawing/2014/main" id="{DD9B8E45-0772-954C-8D4B-6E6808DFEDED}"/>
               </a:ext>
             </a:extLst>
           </p:cNvPr>
@@ -6366,8 +6357,8 @@
         </p:nvSpPr>
         <p:spPr>
           <a:xfrm>
-            <a:off x="831851" y="1709742"/>
-            <a:ext cx="10515600" cy="2852737"/>
+            <a:off x="838200" y="365129"/>
+            <a:ext cx="10002520" cy="1325563"/>
           </a:xfrm>
           <a:prstGeom prst="rect">
             <a:avLst/>
@@ -6382,7 +6373,47 @@
             </a:pPr>
             <a:r>
               <a:rPr/>
-              <a:t>Section heading 2007</a:t>
+              <a:t>Thank you for your time</a:t>
+            </a:r>
+          </a:p>
+        </p:txBody>
+      </p:sp>
+      <p:sp>
+        <p:nvSpPr>
+          <p:cNvPr id="3" name="Content Placeholder 2">
+            <a:extLst>
+              <a:ext uri="{FF2B5EF4-FFF2-40B4-BE49-F238E27FC236}">
+                <a16:creationId xmlns:a16="http://schemas.microsoft.com/office/drawing/2014/main" id="{A4EB24F9-04F1-C843-9D71-56C5C024552B}"/>
+              </a:ext>
+            </a:extLst>
+          </p:cNvPr>
+          <p:cNvSpPr>
+            <a:spLocks noGrp="1"/>
+          </p:cNvSpPr>
+          <p:nvPr>
+            <p:ph idx="1"/>
+          </p:nvPr>
+        </p:nvSpPr>
+        <p:spPr/>
+        <p:txBody>
+          <a:bodyPr/>
+          <a:lstStyle/>
+          <a:p>
+            <a:pPr lvl="0" indent="0" marL="0">
+              <a:buNone/>
+            </a:pPr>
+            <a:r>
+              <a:rPr/>
+              <a:t>And have an amazing year!</a:t>
+            </a:r>
+          </a:p>
+          <a:p>
+            <a:pPr lvl="0" indent="0" marL="0">
+              <a:buNone/>
+            </a:pPr>
+            <a:r>
+              <a:rPr/>
+              <a:t>The Research Methods Team</a:t>
             </a:r>
           </a:p>
         </p:txBody>
@@ -6411,21 +6442,29 @@
       </p:grpSpPr>
       <p:sp>
         <p:nvSpPr>
-          <p:cNvPr id="3" name="Content Placeholder 2">
-            <a:extLst>
-              <a:ext uri="{FF2B5EF4-FFF2-40B4-BE49-F238E27FC236}">
-                <a16:creationId xmlns:a16="http://schemas.microsoft.com/office/drawing/2014/main" id="{A4EB24F9-04F1-C843-9D71-56C5C024552B}"/>
-              </a:ext>
-            </a:extLst>
-          </p:cNvPr>
-          <p:cNvSpPr>
-            <a:spLocks noGrp="1"/>
-          </p:cNvSpPr>
-          <p:nvPr>
-            <p:ph idx="1"/>
-          </p:nvPr>
-        </p:nvSpPr>
-        <p:spPr/>
+          <p:cNvPr id="2" name="Title 1">
+            <a:extLst>
+              <a:ext uri="{FF2B5EF4-FFF2-40B4-BE49-F238E27FC236}">
+                <a16:creationId xmlns:a16="http://schemas.microsoft.com/office/drawing/2014/main" id="{FF6A6CB2-D1B6-B94A-84C1-83C65423C650}"/>
+              </a:ext>
+            </a:extLst>
+          </p:cNvPr>
+          <p:cNvSpPr>
+            <a:spLocks noGrp="1"/>
+          </p:cNvSpPr>
+          <p:nvPr>
+            <p:ph type="title"/>
+          </p:nvPr>
+        </p:nvSpPr>
+        <p:spPr>
+          <a:xfrm>
+            <a:off x="831851" y="1709742"/>
+            <a:ext cx="10515600" cy="2852737"/>
+          </a:xfrm>
+          <a:prstGeom prst="rect">
+            <a:avLst/>
+          </a:prstGeom>
+        </p:spPr>
         <p:txBody>
           <a:bodyPr/>
           <a:lstStyle/>
@@ -6435,7 +6474,7 @@
             </a:pPr>
             <a:r>
               <a:rPr/>
-              <a:t>subtitle</a:t>
+              <a:t>New Section</a:t>
             </a:r>
           </a:p>
         </p:txBody>
@@ -6467,7 +6506,7 @@
           <p:cNvPr id="2" name="Title 1">
             <a:extLst>
               <a:ext uri="{FF2B5EF4-FFF2-40B4-BE49-F238E27FC236}">
-                <a16:creationId xmlns:a16="http://schemas.microsoft.com/office/drawing/2014/main" id="{2ECFDBC1-527D-3041-984A-EF5E7E9B7495}"/>
+                <a16:creationId xmlns:a16="http://schemas.microsoft.com/office/drawing/2014/main" id="{DD9B8E45-0772-954C-8D4B-6E6808DFEDED}"/>
               </a:ext>
             </a:extLst>
           </p:cNvPr>
@@ -6481,7 +6520,7 @@
         <p:spPr>
           <a:xfrm>
             <a:off x="838200" y="365129"/>
-            <a:ext cx="10515600" cy="1325563"/>
+            <a:ext cx="10002520" cy="1325563"/>
           </a:xfrm>
           <a:prstGeom prst="rect">
             <a:avLst/>
@@ -6496,7 +6535,7 @@
             </a:pPr>
             <a:r>
               <a:rPr/>
-              <a:t>2 columns unequal 20% 80%</a:t>
+              <a:t>Bullet List (no build)</a:t>
             </a:r>
           </a:p>
         </p:txBody>
@@ -6506,15 +6545,15 @@
           <p:cNvPr id="3" name="Content Placeholder 2">
             <a:extLst>
               <a:ext uri="{FF2B5EF4-FFF2-40B4-BE49-F238E27FC236}">
-                <a16:creationId xmlns:a16="http://schemas.microsoft.com/office/drawing/2014/main" id="{63FA7BF1-44B1-744C-AB68-4BB0A6A5977E}"/>
-              </a:ext>
-            </a:extLst>
-          </p:cNvPr>
-          <p:cNvSpPr>
-            <a:spLocks noGrp="1"/>
-          </p:cNvSpPr>
-          <p:nvPr>
-            <p:ph idx="1" sz="half"/>
+                <a16:creationId xmlns:a16="http://schemas.microsoft.com/office/drawing/2014/main" id="{A4EB24F9-04F1-C843-9D71-56C5C024552B}"/>
+              </a:ext>
+            </a:extLst>
+          </p:cNvPr>
+          <p:cNvSpPr>
+            <a:spLocks noGrp="1"/>
+          </p:cNvSpPr>
+          <p:nvPr>
+            <p:ph idx="1"/>
           </p:nvPr>
         </p:nvSpPr>
         <p:spPr/>
@@ -6522,91 +6561,24 @@
           <a:bodyPr/>
           <a:lstStyle/>
           <a:p>
-            <a:pPr lvl="0" indent="0" marL="0">
-              <a:spcBef>
-                <a:spcPts val="3000"/>
-              </a:spcBef>
-              <a:buNone/>
-            </a:pPr>
-            <a:r>
-              <a:rPr b="1"/>
-              <a:t>List One</a:t>
-            </a:r>
-          </a:p>
-          <a:p>
             <a:pPr lvl="0"/>
             <a:r>
               <a:rPr/>
-              <a:t>Item A</a:t>
+              <a:t>Point 1</a:t>
             </a:r>
           </a:p>
           <a:p>
             <a:pPr lvl="0"/>
             <a:r>
               <a:rPr/>
-              <a:t>Item B</a:t>
+              <a:t>Point 2</a:t>
             </a:r>
           </a:p>
           <a:p>
             <a:pPr lvl="0"/>
             <a:r>
               <a:rPr/>
-              <a:t>Item C</a:t>
-            </a:r>
-          </a:p>
-        </p:txBody>
-      </p:sp>
-      <p:sp>
-        <p:nvSpPr>
-          <p:cNvPr id="4" name="Content Placeholder 3">
-            <a:extLst>
-              <a:ext uri="{FF2B5EF4-FFF2-40B4-BE49-F238E27FC236}">
-                <a16:creationId xmlns:a16="http://schemas.microsoft.com/office/drawing/2014/main" id="{3B974A49-6A1E-2F48-B419-02B0A17B9692}"/>
-              </a:ext>
-            </a:extLst>
-          </p:cNvPr>
-          <p:cNvSpPr>
-            <a:spLocks noGrp="1"/>
-          </p:cNvSpPr>
-          <p:nvPr>
-            <p:ph idx="2" sz="half"/>
-          </p:nvPr>
-        </p:nvSpPr>
-        <p:spPr/>
-        <p:txBody>
-          <a:bodyPr/>
-          <a:lstStyle/>
-          <a:p>
-            <a:pPr lvl="0" indent="0" marL="0">
-              <a:spcBef>
-                <a:spcPts val="3000"/>
-              </a:spcBef>
-              <a:buNone/>
-            </a:pPr>
-            <a:r>
-              <a:rPr b="1"/>
-              <a:t>List Two</a:t>
-            </a:r>
-          </a:p>
-          <a:p>
-            <a:pPr lvl="0"/>
-            <a:r>
-              <a:rPr/>
-              <a:t>Item X</a:t>
-            </a:r>
-          </a:p>
-          <a:p>
-            <a:pPr lvl="0"/>
-            <a:r>
-              <a:rPr/>
-              <a:t>Item Y</a:t>
-            </a:r>
-          </a:p>
-          <a:p>
-            <a:pPr lvl="0"/>
-            <a:r>
-              <a:rPr/>
-              <a:t>Item Z</a:t>
+              <a:t>Point 3</a:t>
             </a:r>
           </a:p>
         </p:txBody>
@@ -6667,7 +6639,7 @@
             </a:pPr>
             <a:r>
               <a:rPr/>
-              <a:t>New Section</a:t>
+              <a:t>Induction Overview</a:t>
             </a:r>
           </a:p>
         </p:txBody>
@@ -6678,807 +6650,6 @@
 </file>
 
 <file path=ppt/slides/slide20.xml><?xml version="1.0" encoding="utf-8"?>
-<p:sld xmlns:a="http://schemas.openxmlformats.org/drawingml/2006/main" xmlns:r="http://schemas.openxmlformats.org/officeDocument/2006/relationships" xmlns:p="http://schemas.openxmlformats.org/presentationml/2006/main">
-  <p:cSld>
-    <p:spTree>
-      <p:nvGrpSpPr>
-        <p:cNvPr id="1" name=""/>
-        <p:cNvGrpSpPr/>
-        <p:nvPr/>
-      </p:nvGrpSpPr>
-      <p:grpSpPr>
-        <a:xfrm>
-          <a:off x="0" y="0"/>
-          <a:ext cx="0" cy="0"/>
-          <a:chOff x="0" y="0"/>
-          <a:chExt cx="0" cy="0"/>
-        </a:xfrm>
-      </p:grpSpPr>
-      <p:sp>
-        <p:nvSpPr>
-          <p:cNvPr id="2" name="Title 1">
-            <a:extLst>
-              <a:ext uri="{FF2B5EF4-FFF2-40B4-BE49-F238E27FC236}">
-                <a16:creationId xmlns:a16="http://schemas.microsoft.com/office/drawing/2014/main" id="{DD9B8E45-0772-954C-8D4B-6E6808DFEDED}"/>
-              </a:ext>
-            </a:extLst>
-          </p:cNvPr>
-          <p:cNvSpPr>
-            <a:spLocks noGrp="1"/>
-          </p:cNvSpPr>
-          <p:nvPr>
-            <p:ph type="title"/>
-          </p:nvPr>
-        </p:nvSpPr>
-        <p:spPr>
-          <a:xfrm>
-            <a:off x="838200" y="365129"/>
-            <a:ext cx="10002520" cy="1325563"/>
-          </a:xfrm>
-          <a:prstGeom prst="rect">
-            <a:avLst/>
-          </a:prstGeom>
-        </p:spPr>
-        <p:txBody>
-          <a:bodyPr/>
-          <a:lstStyle/>
-          <a:p>
-            <a:pPr lvl="0" indent="0" marL="0">
-              <a:buNone/>
-            </a:pPr>
-            <a:r>
-              <a:rPr/>
-              <a:t>Level 2 centred text with break  with striking takeaway background</a:t>
-            </a:r>
-          </a:p>
-        </p:txBody>
-      </p:sp>
-    </p:spTree>
-  </p:cSld>
-</p:sld>
-</file>
-
-<file path=ppt/slides/slide21.xml><?xml version="1.0" encoding="utf-8"?>
-<p:sld xmlns:a="http://schemas.openxmlformats.org/drawingml/2006/main" xmlns:r="http://schemas.openxmlformats.org/officeDocument/2006/relationships" xmlns:p="http://schemas.openxmlformats.org/presentationml/2006/main">
-  <p:cSld>
-    <p:spTree>
-      <p:nvGrpSpPr>
-        <p:cNvPr id="1" name=""/>
-        <p:cNvGrpSpPr/>
-        <p:nvPr/>
-      </p:nvGrpSpPr>
-      <p:grpSpPr>
-        <a:xfrm>
-          <a:off x="0" y="0"/>
-          <a:ext cx="0" cy="0"/>
-          <a:chOff x="0" y="0"/>
-          <a:chExt cx="0" cy="0"/>
-        </a:xfrm>
-      </p:grpSpPr>
-      <p:sp>
-        <p:nvSpPr>
-          <p:cNvPr id="2" name="Title 1">
-            <a:extLst>
-              <a:ext uri="{FF2B5EF4-FFF2-40B4-BE49-F238E27FC236}">
-                <a16:creationId xmlns:a16="http://schemas.microsoft.com/office/drawing/2014/main" id="{DD9B8E45-0772-954C-8D4B-6E6808DFEDED}"/>
-              </a:ext>
-            </a:extLst>
-          </p:cNvPr>
-          <p:cNvSpPr>
-            <a:spLocks noGrp="1"/>
-          </p:cNvSpPr>
-          <p:nvPr>
-            <p:ph type="title"/>
-          </p:nvPr>
-        </p:nvSpPr>
-        <p:spPr>
-          <a:xfrm>
-            <a:off x="838200" y="365129"/>
-            <a:ext cx="10002520" cy="1325563"/>
-          </a:xfrm>
-          <a:prstGeom prst="rect">
-            <a:avLst/>
-          </a:prstGeom>
-        </p:spPr>
-        <p:txBody>
-          <a:bodyPr/>
-          <a:lstStyle/>
-          <a:p>
-            <a:pPr lvl="0" indent="0" marL="0">
-              <a:buNone/>
-            </a:pPr>
-            <a:r>
-              <a:rPr/>
-              <a:t>References</a:t>
-            </a:r>
-          </a:p>
-        </p:txBody>
-      </p:sp>
-      <p:sp>
-        <p:nvSpPr>
-          <p:cNvPr id="3" name="Content Placeholder 2">
-            <a:extLst>
-              <a:ext uri="{FF2B5EF4-FFF2-40B4-BE49-F238E27FC236}">
-                <a16:creationId xmlns:a16="http://schemas.microsoft.com/office/drawing/2014/main" id="{A4EB24F9-04F1-C843-9D71-56C5C024552B}"/>
-              </a:ext>
-            </a:extLst>
-          </p:cNvPr>
-          <p:cNvSpPr>
-            <a:spLocks noGrp="1"/>
-          </p:cNvSpPr>
-          <p:nvPr>
-            <p:ph idx="1"/>
-          </p:nvPr>
-        </p:nvSpPr>
-        <p:spPr/>
-        <p:txBody>
-          <a:bodyPr/>
-          <a:lstStyle/>
-          <a:p>
-            <a:pPr lvl="0" indent="0" marL="0">
-              <a:buNone/>
-            </a:pPr>
-            <a:r>
-              <a:rPr/>
-              <a:t>(Andorsky, 2020; Datu et al., 2021; King, 2021; Rice et al., 2021)</a:t>
-            </a:r>
-          </a:p>
-        </p:txBody>
-      </p:sp>
-    </p:spTree>
-  </p:cSld>
-</p:sld>
-</file>
-
-<file path=ppt/slides/slide22.xml><?xml version="1.0" encoding="utf-8"?>
-<p:sld xmlns:a="http://schemas.openxmlformats.org/drawingml/2006/main" xmlns:r="http://schemas.openxmlformats.org/officeDocument/2006/relationships" xmlns:p="http://schemas.openxmlformats.org/presentationml/2006/main">
-  <p:cSld>
-    <p:spTree>
-      <p:nvGrpSpPr>
-        <p:cNvPr id="1" name=""/>
-        <p:cNvGrpSpPr/>
-        <p:nvPr/>
-      </p:nvGrpSpPr>
-      <p:grpSpPr>
-        <a:xfrm>
-          <a:off x="0" y="0"/>
-          <a:ext cx="0" cy="0"/>
-          <a:chOff x="0" y="0"/>
-          <a:chExt cx="0" cy="0"/>
-        </a:xfrm>
-      </p:grpSpPr>
-      <p:sp>
-        <p:nvSpPr>
-          <p:cNvPr id="2" name="Title 1">
-            <a:extLst>
-              <a:ext uri="{FF2B5EF4-FFF2-40B4-BE49-F238E27FC236}">
-                <a16:creationId xmlns:a16="http://schemas.microsoft.com/office/drawing/2014/main" id="{DD9B8E45-0772-954C-8D4B-6E6808DFEDED}"/>
-              </a:ext>
-            </a:extLst>
-          </p:cNvPr>
-          <p:cNvSpPr>
-            <a:spLocks noGrp="1"/>
-          </p:cNvSpPr>
-          <p:nvPr>
-            <p:ph type="title"/>
-          </p:nvPr>
-        </p:nvSpPr>
-        <p:spPr>
-          <a:xfrm>
-            <a:off x="838200" y="365129"/>
-            <a:ext cx="10002520" cy="1325563"/>
-          </a:xfrm>
-          <a:prstGeom prst="rect">
-            <a:avLst/>
-          </a:prstGeom>
-        </p:spPr>
-        <p:txBody>
-          <a:bodyPr/>
-          <a:lstStyle/>
-          <a:p>
-            <a:pPr lvl="0" indent="0" marL="0">
-              <a:buNone/>
-            </a:pPr>
-            <a:r>
-              <a:rPr/>
-              <a:t>Speaker notes</a:t>
-            </a:r>
-          </a:p>
-        </p:txBody>
-      </p:sp>
-      <p:sp>
-        <p:nvSpPr>
-          <p:cNvPr id="3" name="Content Placeholder 2">
-            <a:extLst>
-              <a:ext uri="{FF2B5EF4-FFF2-40B4-BE49-F238E27FC236}">
-                <a16:creationId xmlns:a16="http://schemas.microsoft.com/office/drawing/2014/main" id="{A4EB24F9-04F1-C843-9D71-56C5C024552B}"/>
-              </a:ext>
-            </a:extLst>
-          </p:cNvPr>
-          <p:cNvSpPr>
-            <a:spLocks noGrp="1"/>
-          </p:cNvSpPr>
-          <p:nvPr>
-            <p:ph idx="1"/>
-          </p:nvPr>
-        </p:nvSpPr>
-        <p:spPr/>
-        <p:txBody>
-          <a:bodyPr/>
-          <a:lstStyle/>
-          <a:p>
-            <a:pPr lvl="0" indent="0" marL="0">
-              <a:buNone/>
-            </a:pPr>
-            <a:r>
-              <a:rPr/>
-              <a:t>Include speaker notes in another fenced code block.</a:t>
-            </a:r>
-          </a:p>
-        </p:txBody>
-      </p:sp>
-    </p:spTree>
-  </p:cSld>
-</p:sld>
-</file>
-
-<file path=ppt/slides/slide23.xml><?xml version="1.0" encoding="utf-8"?>
-<p:sld xmlns:a="http://schemas.openxmlformats.org/drawingml/2006/main" xmlns:r="http://schemas.openxmlformats.org/officeDocument/2006/relationships" xmlns:p="http://schemas.openxmlformats.org/presentationml/2006/main">
-  <p:cSld>
-    <p:spTree>
-      <p:nvGrpSpPr>
-        <p:cNvPr id="1" name=""/>
-        <p:cNvGrpSpPr/>
-        <p:nvPr/>
-      </p:nvGrpSpPr>
-      <p:grpSpPr>
-        <a:xfrm>
-          <a:off x="0" y="0"/>
-          <a:ext cx="0" cy="0"/>
-          <a:chOff x="0" y="0"/>
-          <a:chExt cx="0" cy="0"/>
-        </a:xfrm>
-      </p:grpSpPr>
-      <p:sp>
-        <p:nvSpPr>
-          <p:cNvPr id="2" name="Title 1">
-            <a:extLst>
-              <a:ext uri="{FF2B5EF4-FFF2-40B4-BE49-F238E27FC236}">
-                <a16:creationId xmlns:a16="http://schemas.microsoft.com/office/drawing/2014/main" id="{FF6A6CB2-D1B6-B94A-84C1-83C65423C650}"/>
-              </a:ext>
-            </a:extLst>
-          </p:cNvPr>
-          <p:cNvSpPr>
-            <a:spLocks noGrp="1"/>
-          </p:cNvSpPr>
-          <p:nvPr>
-            <p:ph type="title"/>
-          </p:nvPr>
-        </p:nvSpPr>
-        <p:spPr>
-          <a:xfrm>
-            <a:off x="831851" y="1709742"/>
-            <a:ext cx="10515600" cy="2852737"/>
-          </a:xfrm>
-          <a:prstGeom prst="rect">
-            <a:avLst/>
-          </a:prstGeom>
-        </p:spPr>
-        <p:txBody>
-          <a:bodyPr/>
-          <a:lstStyle/>
-          <a:p>
-            <a:pPr lvl="0" indent="0" marL="0">
-              <a:buNone/>
-            </a:pPr>
-            <a:r>
-              <a:rPr/>
-              <a:t>Fragments with entrance</a:t>
-            </a:r>
-          </a:p>
-        </p:txBody>
-      </p:sp>
-    </p:spTree>
-  </p:cSld>
-</p:sld>
-</file>
-
-<file path=ppt/slides/slide24.xml><?xml version="1.0" encoding="utf-8"?>
-<p:sld xmlns:a="http://schemas.openxmlformats.org/drawingml/2006/main" xmlns:r="http://schemas.openxmlformats.org/officeDocument/2006/relationships" xmlns:p="http://schemas.openxmlformats.org/presentationml/2006/main">
-  <p:cSld>
-    <p:spTree>
-      <p:nvGrpSpPr>
-        <p:cNvPr id="1" name=""/>
-        <p:cNvGrpSpPr/>
-        <p:nvPr/>
-      </p:nvGrpSpPr>
-      <p:grpSpPr>
-        <a:xfrm>
-          <a:off x="0" y="0"/>
-          <a:ext cx="0" cy="0"/>
-          <a:chOff x="0" y="0"/>
-          <a:chExt cx="0" cy="0"/>
-        </a:xfrm>
-      </p:grpSpPr>
-      <p:sp>
-        <p:nvSpPr>
-          <p:cNvPr id="3" name="Content Placeholder 2">
-            <a:extLst>
-              <a:ext uri="{FF2B5EF4-FFF2-40B4-BE49-F238E27FC236}">
-                <a16:creationId xmlns:a16="http://schemas.microsoft.com/office/drawing/2014/main" id="{A4EB24F9-04F1-C843-9D71-56C5C024552B}"/>
-              </a:ext>
-            </a:extLst>
-          </p:cNvPr>
-          <p:cNvSpPr>
-            <a:spLocks noGrp="1"/>
-          </p:cNvSpPr>
-          <p:nvPr>
-            <p:ph idx="1"/>
-          </p:nvPr>
-        </p:nvSpPr>
-        <p:spPr/>
-        <p:txBody>
-          <a:bodyPr/>
-          <a:lstStyle/>
-          <a:p>
-            <a:pPr lvl="0" indent="0" marL="0">
-              <a:buNone/>
-            </a:pPr>
-            <a:r>
-              <a:rPr/>
-              <a:t>Fade in</a:t>
-            </a:r>
-          </a:p>
-          <a:p>
-            <a:pPr lvl="0" indent="0" marL="0">
-              <a:buNone/>
-            </a:pPr>
-            <a:r>
-              <a:rPr/>
-              <a:t>Highlight red</a:t>
-            </a:r>
-          </a:p>
-          <a:p>
-            <a:pPr lvl="0" indent="0" marL="0">
-              <a:buNone/>
-            </a:pPr>
-            <a:r>
-              <a:rPr/>
-              <a:t>Highlight current red (available in green and blue)</a:t>
-            </a:r>
-          </a:p>
-          <a:p>
-            <a:pPr lvl="0" indent="0" marL="0">
-              <a:buNone/>
-            </a:pPr>
-            <a:r>
-              <a:rPr/>
-              <a:t>Fade in, then out</a:t>
-            </a:r>
-          </a:p>
-          <a:p>
-            <a:pPr lvl="0" indent="0" marL="0">
-              <a:buNone/>
-            </a:pPr>
-            <a:r>
-              <a:rPr/>
-              <a:t>Fade in, then semi out</a:t>
-            </a:r>
-          </a:p>
-          <a:p>
-            <a:pPr lvl="0" indent="0" marL="0">
-              <a:buNone/>
-            </a:pPr>
-            <a:r>
-              <a:rPr/>
-              <a:t>Slide up while fading in</a:t>
-            </a:r>
-          </a:p>
-        </p:txBody>
-      </p:sp>
-    </p:spTree>
-  </p:cSld>
-</p:sld>
-</file>
-
-<file path=ppt/slides/slide25.xml><?xml version="1.0" encoding="utf-8"?>
-<p:sld xmlns:a="http://schemas.openxmlformats.org/drawingml/2006/main" xmlns:r="http://schemas.openxmlformats.org/officeDocument/2006/relationships" xmlns:p="http://schemas.openxmlformats.org/presentationml/2006/main">
-  <p:cSld>
-    <p:spTree>
-      <p:nvGrpSpPr>
-        <p:cNvPr id="1" name=""/>
-        <p:cNvGrpSpPr/>
-        <p:nvPr/>
-      </p:nvGrpSpPr>
-      <p:grpSpPr>
-        <a:xfrm>
-          <a:off x="0" y="0"/>
-          <a:ext cx="0" cy="0"/>
-          <a:chOff x="0" y="0"/>
-          <a:chExt cx="0" cy="0"/>
-        </a:xfrm>
-      </p:grpSpPr>
-      <p:sp>
-        <p:nvSpPr>
-          <p:cNvPr id="2" name="Title 1">
-            <a:extLst>
-              <a:ext uri="{FF2B5EF4-FFF2-40B4-BE49-F238E27FC236}">
-                <a16:creationId xmlns:a16="http://schemas.microsoft.com/office/drawing/2014/main" id="{FF6A6CB2-D1B6-B94A-84C1-83C65423C650}"/>
-              </a:ext>
-            </a:extLst>
-          </p:cNvPr>
-          <p:cNvSpPr>
-            <a:spLocks noGrp="1"/>
-          </p:cNvSpPr>
-          <p:nvPr>
-            <p:ph type="title"/>
-          </p:nvPr>
-        </p:nvSpPr>
-        <p:spPr>
-          <a:xfrm>
-            <a:off x="831851" y="1709742"/>
-            <a:ext cx="10515600" cy="2852737"/>
-          </a:xfrm>
-          <a:prstGeom prst="rect">
-            <a:avLst/>
-          </a:prstGeom>
-        </p:spPr>
-        <p:txBody>
-          <a:bodyPr/>
-          <a:lstStyle/>
-          <a:p>
-            <a:pPr lvl="0" indent="0" marL="0">
-              <a:buNone/>
-            </a:pPr>
-            <a:r>
-              <a:rPr/>
-              <a:t>References</a:t>
-            </a:r>
-          </a:p>
-        </p:txBody>
-      </p:sp>
-    </p:spTree>
-  </p:cSld>
-</p:sld>
-</file>
-
-<file path=ppt/slides/slide26.xml><?xml version="1.0" encoding="utf-8"?>
-<p:sld xmlns:a="http://schemas.openxmlformats.org/drawingml/2006/main" xmlns:r="http://schemas.openxmlformats.org/officeDocument/2006/relationships" xmlns:p="http://schemas.openxmlformats.org/presentationml/2006/main">
-  <p:cSld>
-    <p:spTree>
-      <p:nvGrpSpPr>
-        <p:cNvPr id="1" name=""/>
-        <p:cNvGrpSpPr/>
-        <p:nvPr/>
-      </p:nvGrpSpPr>
-      <p:grpSpPr>
-        <a:xfrm>
-          <a:off x="0" y="0"/>
-          <a:ext cx="0" cy="0"/>
-          <a:chOff x="0" y="0"/>
-          <a:chExt cx="0" cy="0"/>
-        </a:xfrm>
-      </p:grpSpPr>
-      <p:sp>
-        <p:nvSpPr>
-          <p:cNvPr id="3" name="Content Placeholder 2">
-            <a:extLst>
-              <a:ext uri="{FF2B5EF4-FFF2-40B4-BE49-F238E27FC236}">
-                <a16:creationId xmlns:a16="http://schemas.microsoft.com/office/drawing/2014/main" id="{A4EB24F9-04F1-C843-9D71-56C5C024552B}"/>
-              </a:ext>
-            </a:extLst>
-          </p:cNvPr>
-          <p:cNvSpPr>
-            <a:spLocks noGrp="1"/>
-          </p:cNvSpPr>
-          <p:nvPr>
-            <p:ph idx="1"/>
-          </p:nvPr>
-        </p:nvSpPr>
-        <p:spPr/>
-        <p:txBody>
-          <a:bodyPr/>
-          <a:lstStyle/>
-          <a:p>
-            <a:pPr lvl="0" indent="0" marL="0">
-              <a:buNone/>
-            </a:pPr>
-            <a:r>
-              <a:rPr/>
-              <a:t>Andorsky, N. (2020). </a:t>
-            </a:r>
-            <a:r>
-              <a:rPr i="1"/>
-              <a:t>Decoding the why: How behavioral science is driving the next generation of product design</a:t>
-            </a:r>
-            <a:r>
-              <a:rPr/>
-              <a:t>.</a:t>
-            </a:r>
-          </a:p>
-          <a:p>
-            <a:pPr lvl="0" indent="0" marL="0">
-              <a:buNone/>
-            </a:pPr>
-            <a:r>
-              <a:rPr/>
-              <a:t>Datu, J. A. D., McInerney, D. M., Żemojtel-Piotrowska, M., Hitokoto, H., &amp; Datu, N. D. (2021). Is grittiness next to happiness? Examining the association of triarchic model of grit dimensions with well-being outcomes. </a:t>
-            </a:r>
-            <a:r>
-              <a:rPr i="1"/>
-              <a:t>Journal of Happiness Studies</a:t>
-            </a:r>
-            <a:r>
-              <a:rPr/>
-              <a:t>, </a:t>
-            </a:r>
-            <a:r>
-              <a:rPr i="1"/>
-              <a:t>22</a:t>
-            </a:r>
-            <a:r>
-              <a:rPr/>
-              <a:t>(2), 981–1009. </a:t>
-            </a:r>
-            <a:r>
-              <a:rPr>
-                <a:hlinkClick r:id="rId2"/>
-              </a:rPr>
-              <a:t>https://doi.org/10.1007/s10902-020-00260-6</a:t>
-            </a:r>
-          </a:p>
-          <a:p>
-            <a:pPr lvl="0" indent="0" marL="0">
-              <a:buNone/>
-            </a:pPr>
-            <a:r>
-              <a:rPr/>
-              <a:t>King, M. (2021). </a:t>
-            </a:r>
-            <a:r>
-              <a:rPr i="1"/>
-              <a:t>Social chemistry: Decoding the patterns of human connection</a:t>
-            </a:r>
-            <a:r>
-              <a:rPr/>
-              <a:t>. Dutton.</a:t>
-            </a:r>
-          </a:p>
-          <a:p>
-            <a:pPr lvl="0" indent="0" marL="0">
-              <a:buNone/>
-            </a:pPr>
-            <a:r>
-              <a:rPr/>
-              <a:t>Rice, L., Alquist, J. L., Penuliar, M., Donato, F. V., &amp; Price, M. M. (2021). Engaging students in a research methods writing lab online. </a:t>
-            </a:r>
-            <a:r>
-              <a:rPr i="1"/>
-              <a:t>Teaching of Psychology</a:t>
-            </a:r>
-            <a:r>
-              <a:rPr/>
-              <a:t>, </a:t>
-            </a:r>
-            <a:r>
-              <a:rPr i="1"/>
-              <a:t>48</a:t>
-            </a:r>
-            <a:r>
-              <a:rPr/>
-              <a:t>(1), 18–25. </a:t>
-            </a:r>
-            <a:r>
-              <a:rPr>
-                <a:hlinkClick r:id="rId3"/>
-              </a:rPr>
-              <a:t>https://doi.org/10.1177/0098628320959954</a:t>
-            </a:r>
-          </a:p>
-        </p:txBody>
-      </p:sp>
-    </p:spTree>
-  </p:cSld>
-</p:sld>
-</file>
-
-<file path=ppt/slides/slide27.xml><?xml version="1.0" encoding="utf-8"?>
-<p:sld xmlns:a="http://schemas.openxmlformats.org/drawingml/2006/main" xmlns:r="http://schemas.openxmlformats.org/officeDocument/2006/relationships" xmlns:p="http://schemas.openxmlformats.org/presentationml/2006/main">
-  <p:cSld>
-    <p:spTree>
-      <p:nvGrpSpPr>
-        <p:cNvPr id="1" name=""/>
-        <p:cNvGrpSpPr/>
-        <p:nvPr/>
-      </p:nvGrpSpPr>
-      <p:grpSpPr>
-        <a:xfrm>
-          <a:off x="0" y="0"/>
-          <a:ext cx="0" cy="0"/>
-          <a:chOff x="0" y="0"/>
-          <a:chExt cx="0" cy="0"/>
-        </a:xfrm>
-      </p:grpSpPr>
-      <p:sp>
-        <p:nvSpPr>
-          <p:cNvPr id="2" name="Title 1">
-            <a:extLst>
-              <a:ext uri="{FF2B5EF4-FFF2-40B4-BE49-F238E27FC236}">
-                <a16:creationId xmlns:a16="http://schemas.microsoft.com/office/drawing/2014/main" id="{DD9B8E45-0772-954C-8D4B-6E6808DFEDED}"/>
-              </a:ext>
-            </a:extLst>
-          </p:cNvPr>
-          <p:cNvSpPr>
-            <a:spLocks noGrp="1"/>
-          </p:cNvSpPr>
-          <p:nvPr>
-            <p:ph type="title"/>
-          </p:nvPr>
-        </p:nvSpPr>
-        <p:spPr>
-          <a:xfrm>
-            <a:off x="838200" y="365129"/>
-            <a:ext cx="10002520" cy="1325563"/>
-          </a:xfrm>
-          <a:prstGeom prst="rect">
-            <a:avLst/>
-          </a:prstGeom>
-        </p:spPr>
-        <p:txBody>
-          <a:bodyPr/>
-          <a:lstStyle/>
-          <a:p>
-            <a:pPr lvl="0" indent="0" marL="0">
-              <a:buNone/>
-            </a:pPr>
-            <a:r>
-              <a:rPr/>
-              <a:t>Notes</a:t>
-            </a:r>
-          </a:p>
-        </p:txBody>
-      </p:sp>
-      <p:sp>
-        <p:nvSpPr>
-          <p:cNvPr id="3" name="Content Placeholder 2">
-            <a:extLst>
-              <a:ext uri="{FF2B5EF4-FFF2-40B4-BE49-F238E27FC236}">
-                <a16:creationId xmlns:a16="http://schemas.microsoft.com/office/drawing/2014/main" id="{A4EB24F9-04F1-C843-9D71-56C5C024552B}"/>
-              </a:ext>
-            </a:extLst>
-          </p:cNvPr>
-          <p:cNvSpPr>
-            <a:spLocks noGrp="1"/>
-          </p:cNvSpPr>
-          <p:nvPr>
-            <p:ph idx="1"/>
-          </p:nvPr>
-        </p:nvSpPr>
-        <p:spPr/>
-        <p:txBody>
-          <a:bodyPr/>
-          <a:lstStyle/>
-          <a:p>
-            <a:pPr lvl="0" indent="0" marL="0">
-              <a:buNone/>
-            </a:pPr>
-            <a:r>
-              <a:rPr sz="1800"/>
-              <a:t>1. A footnote</a:t>
-            </a:r>
-          </a:p>
-        </p:txBody>
-      </p:sp>
-    </p:spTree>
-  </p:cSld>
-</p:sld>
-</file>
-
-<file path=ppt/slides/slide3.xml><?xml version="1.0" encoding="utf-8"?>
-<p:sld xmlns:a="http://schemas.openxmlformats.org/drawingml/2006/main" xmlns:r="http://schemas.openxmlformats.org/officeDocument/2006/relationships" xmlns:p="http://schemas.openxmlformats.org/presentationml/2006/main">
-  <p:cSld>
-    <p:spTree>
-      <p:nvGrpSpPr>
-        <p:cNvPr id="1" name=""/>
-        <p:cNvGrpSpPr/>
-        <p:nvPr/>
-      </p:nvGrpSpPr>
-      <p:grpSpPr>
-        <a:xfrm>
-          <a:off x="0" y="0"/>
-          <a:ext cx="0" cy="0"/>
-          <a:chOff x="0" y="0"/>
-          <a:chExt cx="0" cy="0"/>
-        </a:xfrm>
-      </p:grpSpPr>
-      <p:sp>
-        <p:nvSpPr>
-          <p:cNvPr id="2" name="Title 1">
-            <a:extLst>
-              <a:ext uri="{FF2B5EF4-FFF2-40B4-BE49-F238E27FC236}">
-                <a16:creationId xmlns:a16="http://schemas.microsoft.com/office/drawing/2014/main" id="{DD9B8E45-0772-954C-8D4B-6E6808DFEDED}"/>
-              </a:ext>
-            </a:extLst>
-          </p:cNvPr>
-          <p:cNvSpPr>
-            <a:spLocks noGrp="1"/>
-          </p:cNvSpPr>
-          <p:nvPr>
-            <p:ph type="title"/>
-          </p:nvPr>
-        </p:nvSpPr>
-        <p:spPr>
-          <a:xfrm>
-            <a:off x="838200" y="365129"/>
-            <a:ext cx="10002520" cy="1325563"/>
-          </a:xfrm>
-          <a:prstGeom prst="rect">
-            <a:avLst/>
-          </a:prstGeom>
-        </p:spPr>
-        <p:txBody>
-          <a:bodyPr/>
-          <a:lstStyle/>
-          <a:p>
-            <a:pPr lvl="0" indent="0" marL="0">
-              <a:buNone/>
-            </a:pPr>
-            <a:r>
-              <a:rPr/>
-              <a:t>Bullet List (no build)</a:t>
-            </a:r>
-          </a:p>
-        </p:txBody>
-      </p:sp>
-      <p:sp>
-        <p:nvSpPr>
-          <p:cNvPr id="3" name="Content Placeholder 2">
-            <a:extLst>
-              <a:ext uri="{FF2B5EF4-FFF2-40B4-BE49-F238E27FC236}">
-                <a16:creationId xmlns:a16="http://schemas.microsoft.com/office/drawing/2014/main" id="{A4EB24F9-04F1-C843-9D71-56C5C024552B}"/>
-              </a:ext>
-            </a:extLst>
-          </p:cNvPr>
-          <p:cNvSpPr>
-            <a:spLocks noGrp="1"/>
-          </p:cNvSpPr>
-          <p:nvPr>
-            <p:ph idx="1"/>
-          </p:nvPr>
-        </p:nvSpPr>
-        <p:spPr/>
-        <p:txBody>
-          <a:bodyPr/>
-          <a:lstStyle/>
-          <a:p>
-            <a:pPr lvl="0"/>
-            <a:r>
-              <a:rPr/>
-              <a:t>Point 1</a:t>
-            </a:r>
-          </a:p>
-          <a:p>
-            <a:pPr lvl="0"/>
-            <a:r>
-              <a:rPr/>
-              <a:t>Point 2</a:t>
-            </a:r>
-          </a:p>
-          <a:p>
-            <a:pPr lvl="0"/>
-            <a:r>
-              <a:rPr/>
-              <a:t>Point 3</a:t>
-            </a:r>
-          </a:p>
-        </p:txBody>
-      </p:sp>
-    </p:spTree>
-  </p:cSld>
-</p:sld>
-</file>
-
-<file path=ppt/slides/slide4.xml><?xml version="1.0" encoding="utf-8"?>
 <p:sld xmlns:a="http://schemas.openxmlformats.org/drawingml/2006/main" xmlns:r="http://schemas.openxmlformats.org/officeDocument/2006/relationships" xmlns:p="http://schemas.openxmlformats.org/presentationml/2006/main">
   <p:cSld>
     <p:spTree>
@@ -7762,6 +6933,1614 @@
 </p:sld>
 </file>
 
+<file path=ppt/slides/slide21.xml><?xml version="1.0" encoding="utf-8"?>
+<p:sld xmlns:a="http://schemas.openxmlformats.org/drawingml/2006/main" xmlns:r="http://schemas.openxmlformats.org/officeDocument/2006/relationships" xmlns:p="http://schemas.openxmlformats.org/presentationml/2006/main">
+  <p:cSld>
+    <p:spTree>
+      <p:nvGrpSpPr>
+        <p:cNvPr id="1" name=""/>
+        <p:cNvGrpSpPr/>
+        <p:nvPr/>
+      </p:nvGrpSpPr>
+      <p:grpSpPr>
+        <a:xfrm>
+          <a:off x="0" y="0"/>
+          <a:ext cx="0" cy="0"/>
+          <a:chOff x="0" y="0"/>
+          <a:chExt cx="0" cy="0"/>
+        </a:xfrm>
+      </p:grpSpPr>
+      <p:sp>
+        <p:nvSpPr>
+          <p:cNvPr id="2" name="Title 1">
+            <a:extLst>
+              <a:ext uri="{FF2B5EF4-FFF2-40B4-BE49-F238E27FC236}">
+                <a16:creationId xmlns:a16="http://schemas.microsoft.com/office/drawing/2014/main" id="{DD9B8E45-0772-954C-8D4B-6E6808DFEDED}"/>
+              </a:ext>
+            </a:extLst>
+          </p:cNvPr>
+          <p:cNvSpPr>
+            <a:spLocks noGrp="1"/>
+          </p:cNvSpPr>
+          <p:nvPr>
+            <p:ph type="title"/>
+          </p:nvPr>
+        </p:nvSpPr>
+        <p:spPr>
+          <a:xfrm>
+            <a:off x="838200" y="365129"/>
+            <a:ext cx="10002520" cy="1325563"/>
+          </a:xfrm>
+          <a:prstGeom prst="rect">
+            <a:avLst/>
+          </a:prstGeom>
+        </p:spPr>
+        <p:txBody>
+          <a:bodyPr/>
+          <a:lstStyle/>
+          <a:p>
+            <a:pPr lvl="0" indent="0" marL="0">
+              <a:buNone/>
+            </a:pPr>
+            <a:r>
+              <a:rPr/>
+              <a:t>Page with a note comment</a:t>
+            </a:r>
+          </a:p>
+        </p:txBody>
+      </p:sp>
+      <p:sp>
+        <p:nvSpPr>
+          <p:cNvPr id="3" name="Content Placeholder 2">
+            <a:extLst>
+              <a:ext uri="{FF2B5EF4-FFF2-40B4-BE49-F238E27FC236}">
+                <a16:creationId xmlns:a16="http://schemas.microsoft.com/office/drawing/2014/main" id="{A4EB24F9-04F1-C843-9D71-56C5C024552B}"/>
+              </a:ext>
+            </a:extLst>
+          </p:cNvPr>
+          <p:cNvSpPr>
+            <a:spLocks noGrp="1"/>
+          </p:cNvSpPr>
+          <p:nvPr>
+            <p:ph idx="1"/>
+          </p:nvPr>
+        </p:nvSpPr>
+        <p:spPr/>
+        <p:txBody>
+          <a:bodyPr/>
+          <a:lstStyle/>
+          <a:p>
+            <a:pPr lvl="0" indent="0" marL="0">
+              <a:buNone/>
+            </a:pPr>
+            <a:r>
+              <a:rPr/>
+              <a:t>Here is something I say</a:t>
+            </a:r>
+          </a:p>
+          <a:p>
+            <a:pPr lvl="0" indent="0" marL="1270000">
+              <a:buNone/>
+            </a:pPr>
+            <a:r>
+              <a:rPr sz="2000" b="1"/>
+              <a:t>Note</a:t>
+            </a:r>
+          </a:p>
+          <a:p>
+            <a:pPr lvl="0" indent="0" marL="1270000">
+              <a:buNone/>
+            </a:pPr>
+            <a:r>
+              <a:rPr sz="2000"/>
+              <a:t>This is very noteworthy</a:t>
+            </a:r>
+          </a:p>
+        </p:txBody>
+      </p:sp>
+    </p:spTree>
+  </p:cSld>
+</p:sld>
+</file>
+
+<file path=ppt/slides/slide22.xml><?xml version="1.0" encoding="utf-8"?>
+<p:sld xmlns:a="http://schemas.openxmlformats.org/drawingml/2006/main" xmlns:r="http://schemas.openxmlformats.org/officeDocument/2006/relationships" xmlns:p="http://schemas.openxmlformats.org/presentationml/2006/main">
+  <p:cSld>
+    <p:spTree>
+      <p:nvGrpSpPr>
+        <p:cNvPr id="1" name=""/>
+        <p:cNvGrpSpPr/>
+        <p:nvPr/>
+      </p:nvGrpSpPr>
+      <p:grpSpPr>
+        <a:xfrm>
+          <a:off x="0" y="0"/>
+          <a:ext cx="0" cy="0"/>
+          <a:chOff x="0" y="0"/>
+          <a:chExt cx="0" cy="0"/>
+        </a:xfrm>
+      </p:grpSpPr>
+      <p:sp>
+        <p:nvSpPr>
+          <p:cNvPr id="2" name="Title 1">
+            <a:extLst>
+              <a:ext uri="{FF2B5EF4-FFF2-40B4-BE49-F238E27FC236}">
+                <a16:creationId xmlns:a16="http://schemas.microsoft.com/office/drawing/2014/main" id="{DD9B8E45-0772-954C-8D4B-6E6808DFEDED}"/>
+              </a:ext>
+            </a:extLst>
+          </p:cNvPr>
+          <p:cNvSpPr>
+            <a:spLocks noGrp="1"/>
+          </p:cNvSpPr>
+          <p:nvPr>
+            <p:ph type="title"/>
+          </p:nvPr>
+        </p:nvSpPr>
+        <p:spPr>
+          <a:xfrm>
+            <a:off x="838200" y="365129"/>
+            <a:ext cx="10002520" cy="1325563"/>
+          </a:xfrm>
+          <a:prstGeom prst="rect">
+            <a:avLst/>
+          </a:prstGeom>
+        </p:spPr>
+        <p:txBody>
+          <a:bodyPr/>
+          <a:lstStyle/>
+          <a:p>
+            <a:pPr lvl="0" indent="0" marL="0">
+              <a:buNone/>
+            </a:pPr>
+            <a:r>
+              <a:rPr/>
+              <a:t>Page with a warning</a:t>
+            </a:r>
+          </a:p>
+        </p:txBody>
+      </p:sp>
+      <p:sp>
+        <p:nvSpPr>
+          <p:cNvPr id="3" name="Content Placeholder 2">
+            <a:extLst>
+              <a:ext uri="{FF2B5EF4-FFF2-40B4-BE49-F238E27FC236}">
+                <a16:creationId xmlns:a16="http://schemas.microsoft.com/office/drawing/2014/main" id="{A4EB24F9-04F1-C843-9D71-56C5C024552B}"/>
+              </a:ext>
+            </a:extLst>
+          </p:cNvPr>
+          <p:cNvSpPr>
+            <a:spLocks noGrp="1"/>
+          </p:cNvSpPr>
+          <p:nvPr>
+            <p:ph idx="1"/>
+          </p:nvPr>
+        </p:nvSpPr>
+        <p:spPr/>
+        <p:txBody>
+          <a:bodyPr/>
+          <a:lstStyle/>
+          <a:p>
+            <a:pPr lvl="0" indent="0" marL="0">
+              <a:buNone/>
+            </a:pPr>
+            <a:r>
+              <a:rPr/>
+              <a:t>Here is something I say</a:t>
+            </a:r>
+          </a:p>
+          <a:p>
+            <a:pPr lvl="0" indent="0" marL="1270000">
+              <a:buNone/>
+            </a:pPr>
+            <a:r>
+              <a:rPr sz="2000" b="1"/>
+              <a:t>Warning</a:t>
+            </a:r>
+          </a:p>
+          <a:p>
+            <a:pPr lvl="0" indent="0" marL="1270000">
+              <a:buNone/>
+            </a:pPr>
+            <a:r>
+              <a:rPr sz="2000"/>
+              <a:t>Be WARNED!!</a:t>
+            </a:r>
+          </a:p>
+        </p:txBody>
+      </p:sp>
+    </p:spTree>
+  </p:cSld>
+</p:sld>
+</file>
+
+<file path=ppt/slides/slide23.xml><?xml version="1.0" encoding="utf-8"?>
+<p:sld xmlns:a="http://schemas.openxmlformats.org/drawingml/2006/main" xmlns:r="http://schemas.openxmlformats.org/officeDocument/2006/relationships" xmlns:p="http://schemas.openxmlformats.org/presentationml/2006/main">
+  <p:cSld>
+    <p:spTree>
+      <p:nvGrpSpPr>
+        <p:cNvPr id="1" name=""/>
+        <p:cNvGrpSpPr/>
+        <p:nvPr/>
+      </p:nvGrpSpPr>
+      <p:grpSpPr>
+        <a:xfrm>
+          <a:off x="0" y="0"/>
+          <a:ext cx="0" cy="0"/>
+          <a:chOff x="0" y="0"/>
+          <a:chExt cx="0" cy="0"/>
+        </a:xfrm>
+      </p:grpSpPr>
+      <p:sp>
+        <p:nvSpPr>
+          <p:cNvPr id="2" name="Title 1">
+            <a:extLst>
+              <a:ext uri="{FF2B5EF4-FFF2-40B4-BE49-F238E27FC236}">
+                <a16:creationId xmlns:a16="http://schemas.microsoft.com/office/drawing/2014/main" id="{DD9B8E45-0772-954C-8D4B-6E6808DFEDED}"/>
+              </a:ext>
+            </a:extLst>
+          </p:cNvPr>
+          <p:cNvSpPr>
+            <a:spLocks noGrp="1"/>
+          </p:cNvSpPr>
+          <p:nvPr>
+            <p:ph type="title"/>
+          </p:nvPr>
+        </p:nvSpPr>
+        <p:spPr>
+          <a:xfrm>
+            <a:off x="838200" y="365129"/>
+            <a:ext cx="10002520" cy="1325563"/>
+          </a:xfrm>
+          <a:prstGeom prst="rect">
+            <a:avLst/>
+          </a:prstGeom>
+        </p:spPr>
+        <p:txBody>
+          <a:bodyPr/>
+          <a:lstStyle/>
+          <a:p>
+            <a:pPr lvl="0" indent="0" marL="0">
+              <a:buNone/>
+            </a:pPr>
+            <a:r>
+              <a:rPr/>
+              <a:t>Page with an important comment</a:t>
+            </a:r>
+          </a:p>
+        </p:txBody>
+      </p:sp>
+      <p:sp>
+        <p:nvSpPr>
+          <p:cNvPr id="3" name="Content Placeholder 2">
+            <a:extLst>
+              <a:ext uri="{FF2B5EF4-FFF2-40B4-BE49-F238E27FC236}">
+                <a16:creationId xmlns:a16="http://schemas.microsoft.com/office/drawing/2014/main" id="{A4EB24F9-04F1-C843-9D71-56C5C024552B}"/>
+              </a:ext>
+            </a:extLst>
+          </p:cNvPr>
+          <p:cNvSpPr>
+            <a:spLocks noGrp="1"/>
+          </p:cNvSpPr>
+          <p:nvPr>
+            <p:ph idx="1"/>
+          </p:nvPr>
+        </p:nvSpPr>
+        <p:spPr/>
+        <p:txBody>
+          <a:bodyPr/>
+          <a:lstStyle/>
+          <a:p>
+            <a:pPr lvl="0" indent="0" marL="0">
+              <a:buNone/>
+            </a:pPr>
+            <a:r>
+              <a:rPr/>
+              <a:t>Here is something I say</a:t>
+            </a:r>
+          </a:p>
+          <a:p>
+            <a:pPr lvl="0" indent="0" marL="1270000">
+              <a:buNone/>
+            </a:pPr>
+            <a:r>
+              <a:rPr sz="2000" b="1"/>
+              <a:t>Important</a:t>
+            </a:r>
+          </a:p>
+          <a:p>
+            <a:pPr lvl="0" indent="0" marL="1270000">
+              <a:buNone/>
+            </a:pPr>
+            <a:r>
+              <a:rPr sz="2000"/>
+              <a:t>This is very Important</a:t>
+            </a:r>
+          </a:p>
+        </p:txBody>
+      </p:sp>
+    </p:spTree>
+  </p:cSld>
+</p:sld>
+</file>
+
+<file path=ppt/slides/slide24.xml><?xml version="1.0" encoding="utf-8"?>
+<p:sld xmlns:a="http://schemas.openxmlformats.org/drawingml/2006/main" xmlns:r="http://schemas.openxmlformats.org/officeDocument/2006/relationships" xmlns:p="http://schemas.openxmlformats.org/presentationml/2006/main">
+  <p:cSld>
+    <p:spTree>
+      <p:nvGrpSpPr>
+        <p:cNvPr id="1" name=""/>
+        <p:cNvGrpSpPr/>
+        <p:nvPr/>
+      </p:nvGrpSpPr>
+      <p:grpSpPr>
+        <a:xfrm>
+          <a:off x="0" y="0"/>
+          <a:ext cx="0" cy="0"/>
+          <a:chOff x="0" y="0"/>
+          <a:chExt cx="0" cy="0"/>
+        </a:xfrm>
+      </p:grpSpPr>
+      <p:sp>
+        <p:nvSpPr>
+          <p:cNvPr id="2" name="Title 1">
+            <a:extLst>
+              <a:ext uri="{FF2B5EF4-FFF2-40B4-BE49-F238E27FC236}">
+                <a16:creationId xmlns:a16="http://schemas.microsoft.com/office/drawing/2014/main" id="{DD9B8E45-0772-954C-8D4B-6E6808DFEDED}"/>
+              </a:ext>
+            </a:extLst>
+          </p:cNvPr>
+          <p:cNvSpPr>
+            <a:spLocks noGrp="1"/>
+          </p:cNvSpPr>
+          <p:nvPr>
+            <p:ph type="title"/>
+          </p:nvPr>
+        </p:nvSpPr>
+        <p:spPr>
+          <a:xfrm>
+            <a:off x="838200" y="365129"/>
+            <a:ext cx="10002520" cy="1325563"/>
+          </a:xfrm>
+          <a:prstGeom prst="rect">
+            <a:avLst/>
+          </a:prstGeom>
+        </p:spPr>
+        <p:txBody>
+          <a:bodyPr/>
+          <a:lstStyle/>
+          <a:p>
+            <a:pPr lvl="0" indent="0" marL="0">
+              <a:buNone/>
+            </a:pPr>
+            <a:r>
+              <a:rPr/>
+              <a:t>Page with a tip</a:t>
+            </a:r>
+          </a:p>
+        </p:txBody>
+      </p:sp>
+      <p:sp>
+        <p:nvSpPr>
+          <p:cNvPr id="3" name="Content Placeholder 2">
+            <a:extLst>
+              <a:ext uri="{FF2B5EF4-FFF2-40B4-BE49-F238E27FC236}">
+                <a16:creationId xmlns:a16="http://schemas.microsoft.com/office/drawing/2014/main" id="{A4EB24F9-04F1-C843-9D71-56C5C024552B}"/>
+              </a:ext>
+            </a:extLst>
+          </p:cNvPr>
+          <p:cNvSpPr>
+            <a:spLocks noGrp="1"/>
+          </p:cNvSpPr>
+          <p:nvPr>
+            <p:ph idx="1"/>
+          </p:nvPr>
+        </p:nvSpPr>
+        <p:spPr/>
+        <p:txBody>
+          <a:bodyPr/>
+          <a:lstStyle/>
+          <a:p>
+            <a:pPr lvl="0" indent="0" marL="0">
+              <a:buNone/>
+            </a:pPr>
+            <a:r>
+              <a:rPr/>
+              <a:t>Here is something I say</a:t>
+            </a:r>
+          </a:p>
+          <a:p>
+            <a:pPr lvl="0" indent="0" marL="1270000">
+              <a:buNone/>
+            </a:pPr>
+            <a:r>
+              <a:rPr sz="2000" b="1"/>
+              <a:t>Tip</a:t>
+            </a:r>
+          </a:p>
+          <a:p>
+            <a:pPr lvl="0" indent="0" marL="1270000">
+              <a:buNone/>
+            </a:pPr>
+            <a:r>
+              <a:rPr sz="2000"/>
+              <a:t>This is a useful tip</a:t>
+            </a:r>
+          </a:p>
+        </p:txBody>
+      </p:sp>
+    </p:spTree>
+  </p:cSld>
+</p:sld>
+</file>
+
+<file path=ppt/slides/slide25.xml><?xml version="1.0" encoding="utf-8"?>
+<p:sld xmlns:a="http://schemas.openxmlformats.org/drawingml/2006/main" xmlns:r="http://schemas.openxmlformats.org/officeDocument/2006/relationships" xmlns:p="http://schemas.openxmlformats.org/presentationml/2006/main">
+  <p:cSld>
+    <p:spTree>
+      <p:nvGrpSpPr>
+        <p:cNvPr id="1" name=""/>
+        <p:cNvGrpSpPr/>
+        <p:nvPr/>
+      </p:nvGrpSpPr>
+      <p:grpSpPr>
+        <a:xfrm>
+          <a:off x="0" y="0"/>
+          <a:ext cx="0" cy="0"/>
+          <a:chOff x="0" y="0"/>
+          <a:chExt cx="0" cy="0"/>
+        </a:xfrm>
+      </p:grpSpPr>
+      <p:sp>
+        <p:nvSpPr>
+          <p:cNvPr id="2" name="Title 1">
+            <a:extLst>
+              <a:ext uri="{FF2B5EF4-FFF2-40B4-BE49-F238E27FC236}">
+                <a16:creationId xmlns:a16="http://schemas.microsoft.com/office/drawing/2014/main" id="{DD9B8E45-0772-954C-8D4B-6E6808DFEDED}"/>
+              </a:ext>
+            </a:extLst>
+          </p:cNvPr>
+          <p:cNvSpPr>
+            <a:spLocks noGrp="1"/>
+          </p:cNvSpPr>
+          <p:nvPr>
+            <p:ph type="title"/>
+          </p:nvPr>
+        </p:nvSpPr>
+        <p:spPr>
+          <a:xfrm>
+            <a:off x="838200" y="365129"/>
+            <a:ext cx="10002520" cy="1325563"/>
+          </a:xfrm>
+          <a:prstGeom prst="rect">
+            <a:avLst/>
+          </a:prstGeom>
+        </p:spPr>
+        <p:txBody>
+          <a:bodyPr/>
+          <a:lstStyle/>
+          <a:p>
+            <a:pPr lvl="0" indent="0" marL="0">
+              <a:buNone/>
+            </a:pPr>
+            <a:r>
+              <a:rPr/>
+              <a:t>Page with a caution</a:t>
+            </a:r>
+          </a:p>
+        </p:txBody>
+      </p:sp>
+      <p:sp>
+        <p:nvSpPr>
+          <p:cNvPr id="3" name="Content Placeholder 2">
+            <a:extLst>
+              <a:ext uri="{FF2B5EF4-FFF2-40B4-BE49-F238E27FC236}">
+                <a16:creationId xmlns:a16="http://schemas.microsoft.com/office/drawing/2014/main" id="{A4EB24F9-04F1-C843-9D71-56C5C024552B}"/>
+              </a:ext>
+            </a:extLst>
+          </p:cNvPr>
+          <p:cNvSpPr>
+            <a:spLocks noGrp="1"/>
+          </p:cNvSpPr>
+          <p:nvPr>
+            <p:ph idx="1"/>
+          </p:nvPr>
+        </p:nvSpPr>
+        <p:spPr/>
+        <p:txBody>
+          <a:bodyPr/>
+          <a:lstStyle/>
+          <a:p>
+            <a:pPr lvl="0" indent="0" marL="0">
+              <a:buNone/>
+            </a:pPr>
+            <a:r>
+              <a:rPr/>
+              <a:t>Here is something I say</a:t>
+            </a:r>
+          </a:p>
+          <a:p>
+            <a:pPr lvl="0" indent="0" marL="1270000">
+              <a:buNone/>
+            </a:pPr>
+            <a:r>
+              <a:rPr sz="2000" b="1"/>
+              <a:t>Caution</a:t>
+            </a:r>
+          </a:p>
+          <a:p>
+            <a:pPr lvl="0" indent="0" marL="1270000">
+              <a:buNone/>
+            </a:pPr>
+            <a:r>
+              <a:rPr sz="2000"/>
+              <a:t>This is something to be cautious about</a:t>
+            </a:r>
+          </a:p>
+        </p:txBody>
+      </p:sp>
+    </p:spTree>
+  </p:cSld>
+</p:sld>
+</file>
+
+<file path=ppt/slides/slide26.xml><?xml version="1.0" encoding="utf-8"?>
+<p:sld xmlns:a="http://schemas.openxmlformats.org/drawingml/2006/main" xmlns:r="http://schemas.openxmlformats.org/officeDocument/2006/relationships" xmlns:p="http://schemas.openxmlformats.org/presentationml/2006/main">
+  <p:cSld>
+    <p:spTree>
+      <p:nvGrpSpPr>
+        <p:cNvPr id="1" name=""/>
+        <p:cNvGrpSpPr/>
+        <p:nvPr/>
+      </p:nvGrpSpPr>
+      <p:grpSpPr>
+        <a:xfrm>
+          <a:off x="0" y="0"/>
+          <a:ext cx="0" cy="0"/>
+          <a:chOff x="0" y="0"/>
+          <a:chExt cx="0" cy="0"/>
+        </a:xfrm>
+      </p:grpSpPr>
+      <p:sp>
+        <p:nvSpPr>
+          <p:cNvPr id="2" name="Title 1">
+            <a:extLst>
+              <a:ext uri="{FF2B5EF4-FFF2-40B4-BE49-F238E27FC236}">
+                <a16:creationId xmlns:a16="http://schemas.microsoft.com/office/drawing/2014/main" id="{DD9B8E45-0772-954C-8D4B-6E6808DFEDED}"/>
+              </a:ext>
+            </a:extLst>
+          </p:cNvPr>
+          <p:cNvSpPr>
+            <a:spLocks noGrp="1"/>
+          </p:cNvSpPr>
+          <p:nvPr>
+            <p:ph type="title"/>
+          </p:nvPr>
+        </p:nvSpPr>
+        <p:spPr>
+          <a:xfrm>
+            <a:off x="838200" y="365129"/>
+            <a:ext cx="10002520" cy="1325563"/>
+          </a:xfrm>
+          <a:prstGeom prst="rect">
+            <a:avLst/>
+          </a:prstGeom>
+        </p:spPr>
+        <p:txBody>
+          <a:bodyPr/>
+          <a:lstStyle/>
+          <a:p>
+            <a:pPr lvl="0" indent="0" marL="0">
+              <a:buNone/>
+            </a:pPr>
+            <a:r>
+              <a:rPr/>
+              <a:t>Slide with different background colour</a:t>
+            </a:r>
+          </a:p>
+        </p:txBody>
+      </p:sp>
+      <p:sp>
+        <p:nvSpPr>
+          <p:cNvPr id="3" name="Content Placeholder 2">
+            <a:extLst>
+              <a:ext uri="{FF2B5EF4-FFF2-40B4-BE49-F238E27FC236}">
+                <a16:creationId xmlns:a16="http://schemas.microsoft.com/office/drawing/2014/main" id="{A4EB24F9-04F1-C843-9D71-56C5C024552B}"/>
+              </a:ext>
+            </a:extLst>
+          </p:cNvPr>
+          <p:cNvSpPr>
+            <a:spLocks noGrp="1"/>
+          </p:cNvSpPr>
+          <p:nvPr>
+            <p:ph idx="1"/>
+          </p:nvPr>
+        </p:nvSpPr>
+        <p:spPr/>
+        <p:txBody>
+          <a:bodyPr/>
+          <a:lstStyle/>
+          <a:p>
+            <a:pPr lvl="0" indent="0" marL="0">
+              <a:buNone/>
+            </a:pPr>
+            <a:r>
+              <a:rPr/>
+              <a:t>Shout</a:t>
+            </a:r>
+          </a:p>
+          <a:p>
+            <a:pPr lvl="0" indent="0" marL="0">
+              <a:buNone/>
+            </a:pPr>
+            <a:r>
+              <a:rPr/>
+              <a:t>Question</a:t>
+            </a:r>
+          </a:p>
+          <a:p>
+            <a:pPr lvl="0" indent="0" marL="0">
+              <a:buNone/>
+            </a:pPr>
+            <a:r>
+              <a:rPr/>
+              <a:t>takeaway</a:t>
+            </a:r>
+          </a:p>
+          <a:p>
+            <a:pPr lvl="0" indent="0" marL="0">
+              <a:buNone/>
+            </a:pPr>
+            <a:r>
+              <a:rPr>
+                <a:hlinkClick r:id="rId2"/>
+              </a:rPr>
+              <a:t>A link to the BBC website</a:t>
+            </a:r>
+          </a:p>
+        </p:txBody>
+      </p:sp>
+    </p:spTree>
+  </p:cSld>
+</p:sld>
+</file>
+
+<file path=ppt/slides/slide27.xml><?xml version="1.0" encoding="utf-8"?>
+<p:sld xmlns:a="http://schemas.openxmlformats.org/drawingml/2006/main" xmlns:r="http://schemas.openxmlformats.org/officeDocument/2006/relationships" xmlns:p="http://schemas.openxmlformats.org/presentationml/2006/main">
+  <p:cSld>
+    <p:spTree>
+      <p:nvGrpSpPr>
+        <p:cNvPr id="1" name=""/>
+        <p:cNvGrpSpPr/>
+        <p:nvPr/>
+      </p:nvGrpSpPr>
+      <p:grpSpPr>
+        <a:xfrm>
+          <a:off x="0" y="0"/>
+          <a:ext cx="0" cy="0"/>
+          <a:chOff x="0" y="0"/>
+          <a:chExt cx="0" cy="0"/>
+        </a:xfrm>
+      </p:grpSpPr>
+      <p:sp>
+        <p:nvSpPr>
+          <p:cNvPr id="2" name="Title 1">
+            <a:extLst>
+              <a:ext uri="{FF2B5EF4-FFF2-40B4-BE49-F238E27FC236}">
+                <a16:creationId xmlns:a16="http://schemas.microsoft.com/office/drawing/2014/main" id="{FF6A6CB2-D1B6-B94A-84C1-83C65423C650}"/>
+              </a:ext>
+            </a:extLst>
+          </p:cNvPr>
+          <p:cNvSpPr>
+            <a:spLocks noGrp="1"/>
+          </p:cNvSpPr>
+          <p:nvPr>
+            <p:ph type="title"/>
+          </p:nvPr>
+        </p:nvSpPr>
+        <p:spPr>
+          <a:xfrm>
+            <a:off x="831851" y="1709742"/>
+            <a:ext cx="10515600" cy="2852737"/>
+          </a:xfrm>
+          <a:prstGeom prst="rect">
+            <a:avLst/>
+          </a:prstGeom>
+        </p:spPr>
+        <p:txBody>
+          <a:bodyPr/>
+          <a:lstStyle/>
+          <a:p>
+            <a:pPr lvl="0" indent="0" marL="0">
+              <a:buNone/>
+            </a:pPr>
+            <a:r>
+              <a:rPr/>
+              <a:t>Section heading 2007</a:t>
+            </a:r>
+          </a:p>
+        </p:txBody>
+      </p:sp>
+    </p:spTree>
+  </p:cSld>
+</p:sld>
+</file>
+
+<file path=ppt/slides/slide28.xml><?xml version="1.0" encoding="utf-8"?>
+<p:sld xmlns:a="http://schemas.openxmlformats.org/drawingml/2006/main" xmlns:r="http://schemas.openxmlformats.org/officeDocument/2006/relationships" xmlns:p="http://schemas.openxmlformats.org/presentationml/2006/main">
+  <p:cSld>
+    <p:spTree>
+      <p:nvGrpSpPr>
+        <p:cNvPr id="1" name=""/>
+        <p:cNvGrpSpPr/>
+        <p:nvPr/>
+      </p:nvGrpSpPr>
+      <p:grpSpPr>
+        <a:xfrm>
+          <a:off x="0" y="0"/>
+          <a:ext cx="0" cy="0"/>
+          <a:chOff x="0" y="0"/>
+          <a:chExt cx="0" cy="0"/>
+        </a:xfrm>
+      </p:grpSpPr>
+      <p:sp>
+        <p:nvSpPr>
+          <p:cNvPr id="3" name="Content Placeholder 2">
+            <a:extLst>
+              <a:ext uri="{FF2B5EF4-FFF2-40B4-BE49-F238E27FC236}">
+                <a16:creationId xmlns:a16="http://schemas.microsoft.com/office/drawing/2014/main" id="{A4EB24F9-04F1-C843-9D71-56C5C024552B}"/>
+              </a:ext>
+            </a:extLst>
+          </p:cNvPr>
+          <p:cNvSpPr>
+            <a:spLocks noGrp="1"/>
+          </p:cNvSpPr>
+          <p:nvPr>
+            <p:ph idx="1"/>
+          </p:nvPr>
+        </p:nvSpPr>
+        <p:spPr/>
+        <p:txBody>
+          <a:bodyPr/>
+          <a:lstStyle/>
+          <a:p>
+            <a:pPr lvl="0" indent="0" marL="0">
+              <a:buNone/>
+            </a:pPr>
+            <a:r>
+              <a:rPr/>
+              <a:t>subtitle</a:t>
+            </a:r>
+          </a:p>
+        </p:txBody>
+      </p:sp>
+    </p:spTree>
+  </p:cSld>
+</p:sld>
+</file>
+
+<file path=ppt/slides/slide29.xml><?xml version="1.0" encoding="utf-8"?>
+<p:sld xmlns:a="http://schemas.openxmlformats.org/drawingml/2006/main" xmlns:r="http://schemas.openxmlformats.org/officeDocument/2006/relationships" xmlns:p="http://schemas.openxmlformats.org/presentationml/2006/main">
+  <p:cSld>
+    <p:spTree>
+      <p:nvGrpSpPr>
+        <p:cNvPr id="1" name=""/>
+        <p:cNvGrpSpPr/>
+        <p:nvPr/>
+      </p:nvGrpSpPr>
+      <p:grpSpPr>
+        <a:xfrm>
+          <a:off x="0" y="0"/>
+          <a:ext cx="0" cy="0"/>
+          <a:chOff x="0" y="0"/>
+          <a:chExt cx="0" cy="0"/>
+        </a:xfrm>
+      </p:grpSpPr>
+      <p:sp>
+        <p:nvSpPr>
+          <p:cNvPr id="2" name="Title 1">
+            <a:extLst>
+              <a:ext uri="{FF2B5EF4-FFF2-40B4-BE49-F238E27FC236}">
+                <a16:creationId xmlns:a16="http://schemas.microsoft.com/office/drawing/2014/main" id="{DD9B8E45-0772-954C-8D4B-6E6808DFEDED}"/>
+              </a:ext>
+            </a:extLst>
+          </p:cNvPr>
+          <p:cNvSpPr>
+            <a:spLocks noGrp="1"/>
+          </p:cNvSpPr>
+          <p:nvPr>
+            <p:ph type="title"/>
+          </p:nvPr>
+        </p:nvSpPr>
+        <p:spPr>
+          <a:xfrm>
+            <a:off x="838200" y="365129"/>
+            <a:ext cx="10002520" cy="1325563"/>
+          </a:xfrm>
+          <a:prstGeom prst="rect">
+            <a:avLst/>
+          </a:prstGeom>
+        </p:spPr>
+        <p:txBody>
+          <a:bodyPr/>
+          <a:lstStyle/>
+          <a:p>
+            <a:pPr lvl="0" indent="0" marL="0">
+              <a:buNone/>
+            </a:pPr>
+            <a:r>
+              <a:rPr/>
+              <a:t>Level 2 centred text with break  with striking takeaway background</a:t>
+            </a:r>
+          </a:p>
+        </p:txBody>
+      </p:sp>
+    </p:spTree>
+  </p:cSld>
+</p:sld>
+</file>
+
+<file path=ppt/slides/slide3.xml><?xml version="1.0" encoding="utf-8"?>
+<p:sld xmlns:a="http://schemas.openxmlformats.org/drawingml/2006/main" xmlns:r="http://schemas.openxmlformats.org/officeDocument/2006/relationships" xmlns:p="http://schemas.openxmlformats.org/presentationml/2006/main">
+  <p:cSld>
+    <p:spTree>
+      <p:nvGrpSpPr>
+        <p:cNvPr id="1" name=""/>
+        <p:cNvGrpSpPr/>
+        <p:nvPr/>
+      </p:nvGrpSpPr>
+      <p:grpSpPr>
+        <a:xfrm>
+          <a:off x="0" y="0"/>
+          <a:ext cx="0" cy="0"/>
+          <a:chOff x="0" y="0"/>
+          <a:chExt cx="0" cy="0"/>
+        </a:xfrm>
+      </p:grpSpPr>
+      <p:sp>
+        <p:nvSpPr>
+          <p:cNvPr id="2" name="Title 1">
+            <a:extLst>
+              <a:ext uri="{FF2B5EF4-FFF2-40B4-BE49-F238E27FC236}">
+                <a16:creationId xmlns:a16="http://schemas.microsoft.com/office/drawing/2014/main" id="{DD9B8E45-0772-954C-8D4B-6E6808DFEDED}"/>
+              </a:ext>
+            </a:extLst>
+          </p:cNvPr>
+          <p:cNvSpPr>
+            <a:spLocks noGrp="1"/>
+          </p:cNvSpPr>
+          <p:nvPr>
+            <p:ph type="title"/>
+          </p:nvPr>
+        </p:nvSpPr>
+        <p:spPr>
+          <a:xfrm>
+            <a:off x="838200" y="365129"/>
+            <a:ext cx="10002520" cy="1325563"/>
+          </a:xfrm>
+          <a:prstGeom prst="rect">
+            <a:avLst/>
+          </a:prstGeom>
+        </p:spPr>
+        <p:txBody>
+          <a:bodyPr/>
+          <a:lstStyle/>
+          <a:p>
+            <a:pPr lvl="0" indent="0" marL="0">
+              <a:buNone/>
+            </a:pPr>
+            <a:r>
+              <a:rPr/>
+              <a:t>Welcome back and welcome to Research Methods!</a:t>
+            </a:r>
+          </a:p>
+        </p:txBody>
+      </p:sp>
+    </p:spTree>
+  </p:cSld>
+</p:sld>
+</file>
+
+<file path=ppt/slides/slide30.xml><?xml version="1.0" encoding="utf-8"?>
+<p:sld xmlns:a="http://schemas.openxmlformats.org/drawingml/2006/main" xmlns:r="http://schemas.openxmlformats.org/officeDocument/2006/relationships" xmlns:p="http://schemas.openxmlformats.org/presentationml/2006/main">
+  <p:cSld>
+    <p:spTree>
+      <p:nvGrpSpPr>
+        <p:cNvPr id="1" name=""/>
+        <p:cNvGrpSpPr/>
+        <p:nvPr/>
+      </p:nvGrpSpPr>
+      <p:grpSpPr>
+        <a:xfrm>
+          <a:off x="0" y="0"/>
+          <a:ext cx="0" cy="0"/>
+          <a:chOff x="0" y="0"/>
+          <a:chExt cx="0" cy="0"/>
+        </a:xfrm>
+      </p:grpSpPr>
+      <p:sp>
+        <p:nvSpPr>
+          <p:cNvPr id="2" name="Title 1">
+            <a:extLst>
+              <a:ext uri="{FF2B5EF4-FFF2-40B4-BE49-F238E27FC236}">
+                <a16:creationId xmlns:a16="http://schemas.microsoft.com/office/drawing/2014/main" id="{DD9B8E45-0772-954C-8D4B-6E6808DFEDED}"/>
+              </a:ext>
+            </a:extLst>
+          </p:cNvPr>
+          <p:cNvSpPr>
+            <a:spLocks noGrp="1"/>
+          </p:cNvSpPr>
+          <p:nvPr>
+            <p:ph type="title"/>
+          </p:nvPr>
+        </p:nvSpPr>
+        <p:spPr>
+          <a:xfrm>
+            <a:off x="838200" y="365129"/>
+            <a:ext cx="10002520" cy="1325563"/>
+          </a:xfrm>
+          <a:prstGeom prst="rect">
+            <a:avLst/>
+          </a:prstGeom>
+        </p:spPr>
+        <p:txBody>
+          <a:bodyPr/>
+          <a:lstStyle/>
+          <a:p>
+            <a:pPr lvl="0" indent="0" marL="0">
+              <a:buNone/>
+            </a:pPr>
+            <a:r>
+              <a:rPr/>
+              <a:t>References</a:t>
+            </a:r>
+          </a:p>
+        </p:txBody>
+      </p:sp>
+      <p:sp>
+        <p:nvSpPr>
+          <p:cNvPr id="3" name="Content Placeholder 2">
+            <a:extLst>
+              <a:ext uri="{FF2B5EF4-FFF2-40B4-BE49-F238E27FC236}">
+                <a16:creationId xmlns:a16="http://schemas.microsoft.com/office/drawing/2014/main" id="{A4EB24F9-04F1-C843-9D71-56C5C024552B}"/>
+              </a:ext>
+            </a:extLst>
+          </p:cNvPr>
+          <p:cNvSpPr>
+            <a:spLocks noGrp="1"/>
+          </p:cNvSpPr>
+          <p:nvPr>
+            <p:ph idx="1"/>
+          </p:nvPr>
+        </p:nvSpPr>
+        <p:spPr/>
+        <p:txBody>
+          <a:bodyPr/>
+          <a:lstStyle/>
+          <a:p>
+            <a:pPr lvl="0" indent="0" marL="0">
+              <a:buNone/>
+            </a:pPr>
+            <a:r>
+              <a:rPr/>
+              <a:t>(Andorsky, 2020; Datu et al., 2021; King, 2021; Rice et al., 2021)</a:t>
+            </a:r>
+          </a:p>
+        </p:txBody>
+      </p:sp>
+    </p:spTree>
+  </p:cSld>
+</p:sld>
+</file>
+
+<file path=ppt/slides/slide31.xml><?xml version="1.0" encoding="utf-8"?>
+<p:sld xmlns:a="http://schemas.openxmlformats.org/drawingml/2006/main" xmlns:r="http://schemas.openxmlformats.org/officeDocument/2006/relationships" xmlns:p="http://schemas.openxmlformats.org/presentationml/2006/main">
+  <p:cSld>
+    <p:spTree>
+      <p:nvGrpSpPr>
+        <p:cNvPr id="1" name=""/>
+        <p:cNvGrpSpPr/>
+        <p:nvPr/>
+      </p:nvGrpSpPr>
+      <p:grpSpPr>
+        <a:xfrm>
+          <a:off x="0" y="0"/>
+          <a:ext cx="0" cy="0"/>
+          <a:chOff x="0" y="0"/>
+          <a:chExt cx="0" cy="0"/>
+        </a:xfrm>
+      </p:grpSpPr>
+      <p:sp>
+        <p:nvSpPr>
+          <p:cNvPr id="2" name="Title 1">
+            <a:extLst>
+              <a:ext uri="{FF2B5EF4-FFF2-40B4-BE49-F238E27FC236}">
+                <a16:creationId xmlns:a16="http://schemas.microsoft.com/office/drawing/2014/main" id="{DD9B8E45-0772-954C-8D4B-6E6808DFEDED}"/>
+              </a:ext>
+            </a:extLst>
+          </p:cNvPr>
+          <p:cNvSpPr>
+            <a:spLocks noGrp="1"/>
+          </p:cNvSpPr>
+          <p:nvPr>
+            <p:ph type="title"/>
+          </p:nvPr>
+        </p:nvSpPr>
+        <p:spPr>
+          <a:xfrm>
+            <a:off x="838200" y="365129"/>
+            <a:ext cx="10002520" cy="1325563"/>
+          </a:xfrm>
+          <a:prstGeom prst="rect">
+            <a:avLst/>
+          </a:prstGeom>
+        </p:spPr>
+        <p:txBody>
+          <a:bodyPr/>
+          <a:lstStyle/>
+          <a:p>
+            <a:pPr lvl="0" indent="0" marL="0">
+              <a:buNone/>
+            </a:pPr>
+            <a:r>
+              <a:rPr/>
+              <a:t>Speaker notes</a:t>
+            </a:r>
+          </a:p>
+        </p:txBody>
+      </p:sp>
+      <p:sp>
+        <p:nvSpPr>
+          <p:cNvPr id="3" name="Content Placeholder 2">
+            <a:extLst>
+              <a:ext uri="{FF2B5EF4-FFF2-40B4-BE49-F238E27FC236}">
+                <a16:creationId xmlns:a16="http://schemas.microsoft.com/office/drawing/2014/main" id="{A4EB24F9-04F1-C843-9D71-56C5C024552B}"/>
+              </a:ext>
+            </a:extLst>
+          </p:cNvPr>
+          <p:cNvSpPr>
+            <a:spLocks noGrp="1"/>
+          </p:cNvSpPr>
+          <p:nvPr>
+            <p:ph idx="1"/>
+          </p:nvPr>
+        </p:nvSpPr>
+        <p:spPr/>
+        <p:txBody>
+          <a:bodyPr/>
+          <a:lstStyle/>
+          <a:p>
+            <a:pPr lvl="0" indent="0" marL="0">
+              <a:buNone/>
+            </a:pPr>
+            <a:r>
+              <a:rPr/>
+              <a:t>Include speaker notes in another fenced code block.</a:t>
+            </a:r>
+          </a:p>
+        </p:txBody>
+      </p:sp>
+    </p:spTree>
+  </p:cSld>
+</p:sld>
+</file>
+
+<file path=ppt/slides/slide32.xml><?xml version="1.0" encoding="utf-8"?>
+<p:sld xmlns:a="http://schemas.openxmlformats.org/drawingml/2006/main" xmlns:r="http://schemas.openxmlformats.org/officeDocument/2006/relationships" xmlns:p="http://schemas.openxmlformats.org/presentationml/2006/main">
+  <p:cSld>
+    <p:spTree>
+      <p:nvGrpSpPr>
+        <p:cNvPr id="1" name=""/>
+        <p:cNvGrpSpPr/>
+        <p:nvPr/>
+      </p:nvGrpSpPr>
+      <p:grpSpPr>
+        <a:xfrm>
+          <a:off x="0" y="0"/>
+          <a:ext cx="0" cy="0"/>
+          <a:chOff x="0" y="0"/>
+          <a:chExt cx="0" cy="0"/>
+        </a:xfrm>
+      </p:grpSpPr>
+      <p:sp>
+        <p:nvSpPr>
+          <p:cNvPr id="2" name="Title 1">
+            <a:extLst>
+              <a:ext uri="{FF2B5EF4-FFF2-40B4-BE49-F238E27FC236}">
+                <a16:creationId xmlns:a16="http://schemas.microsoft.com/office/drawing/2014/main" id="{FF6A6CB2-D1B6-B94A-84C1-83C65423C650}"/>
+              </a:ext>
+            </a:extLst>
+          </p:cNvPr>
+          <p:cNvSpPr>
+            <a:spLocks noGrp="1"/>
+          </p:cNvSpPr>
+          <p:nvPr>
+            <p:ph type="title"/>
+          </p:nvPr>
+        </p:nvSpPr>
+        <p:spPr>
+          <a:xfrm>
+            <a:off x="831851" y="1709742"/>
+            <a:ext cx="10515600" cy="2852737"/>
+          </a:xfrm>
+          <a:prstGeom prst="rect">
+            <a:avLst/>
+          </a:prstGeom>
+        </p:spPr>
+        <p:txBody>
+          <a:bodyPr/>
+          <a:lstStyle/>
+          <a:p>
+            <a:pPr lvl="0" indent="0" marL="0">
+              <a:buNone/>
+            </a:pPr>
+            <a:r>
+              <a:rPr/>
+              <a:t>Fragments with entrance</a:t>
+            </a:r>
+          </a:p>
+        </p:txBody>
+      </p:sp>
+    </p:spTree>
+  </p:cSld>
+</p:sld>
+</file>
+
+<file path=ppt/slides/slide33.xml><?xml version="1.0" encoding="utf-8"?>
+<p:sld xmlns:a="http://schemas.openxmlformats.org/drawingml/2006/main" xmlns:r="http://schemas.openxmlformats.org/officeDocument/2006/relationships" xmlns:p="http://schemas.openxmlformats.org/presentationml/2006/main">
+  <p:cSld>
+    <p:spTree>
+      <p:nvGrpSpPr>
+        <p:cNvPr id="1" name=""/>
+        <p:cNvGrpSpPr/>
+        <p:nvPr/>
+      </p:nvGrpSpPr>
+      <p:grpSpPr>
+        <a:xfrm>
+          <a:off x="0" y="0"/>
+          <a:ext cx="0" cy="0"/>
+          <a:chOff x="0" y="0"/>
+          <a:chExt cx="0" cy="0"/>
+        </a:xfrm>
+      </p:grpSpPr>
+      <p:sp>
+        <p:nvSpPr>
+          <p:cNvPr id="3" name="Content Placeholder 2">
+            <a:extLst>
+              <a:ext uri="{FF2B5EF4-FFF2-40B4-BE49-F238E27FC236}">
+                <a16:creationId xmlns:a16="http://schemas.microsoft.com/office/drawing/2014/main" id="{A4EB24F9-04F1-C843-9D71-56C5C024552B}"/>
+              </a:ext>
+            </a:extLst>
+          </p:cNvPr>
+          <p:cNvSpPr>
+            <a:spLocks noGrp="1"/>
+          </p:cNvSpPr>
+          <p:nvPr>
+            <p:ph idx="1"/>
+          </p:nvPr>
+        </p:nvSpPr>
+        <p:spPr/>
+        <p:txBody>
+          <a:bodyPr/>
+          <a:lstStyle/>
+          <a:p>
+            <a:pPr lvl="0" indent="0" marL="0">
+              <a:buNone/>
+            </a:pPr>
+            <a:r>
+              <a:rPr/>
+              <a:t>Fade in</a:t>
+            </a:r>
+          </a:p>
+          <a:p>
+            <a:pPr lvl="0" indent="0" marL="0">
+              <a:buNone/>
+            </a:pPr>
+            <a:r>
+              <a:rPr/>
+              <a:t>Highlight red</a:t>
+            </a:r>
+          </a:p>
+          <a:p>
+            <a:pPr lvl="0" indent="0" marL="0">
+              <a:buNone/>
+            </a:pPr>
+            <a:r>
+              <a:rPr/>
+              <a:t>Highlight current red (available in green and blue)</a:t>
+            </a:r>
+          </a:p>
+          <a:p>
+            <a:pPr lvl="0" indent="0" marL="0">
+              <a:buNone/>
+            </a:pPr>
+            <a:r>
+              <a:rPr/>
+              <a:t>Fade in, then out</a:t>
+            </a:r>
+          </a:p>
+          <a:p>
+            <a:pPr lvl="0" indent="0" marL="0">
+              <a:buNone/>
+            </a:pPr>
+            <a:r>
+              <a:rPr/>
+              <a:t>Fade in, then semi out</a:t>
+            </a:r>
+          </a:p>
+          <a:p>
+            <a:pPr lvl="0" indent="0" marL="0">
+              <a:buNone/>
+            </a:pPr>
+            <a:r>
+              <a:rPr/>
+              <a:t>Slide up while fading in</a:t>
+            </a:r>
+          </a:p>
+        </p:txBody>
+      </p:sp>
+    </p:spTree>
+  </p:cSld>
+</p:sld>
+</file>
+
+<file path=ppt/slides/slide34.xml><?xml version="1.0" encoding="utf-8"?>
+<p:sld xmlns:a="http://schemas.openxmlformats.org/drawingml/2006/main" xmlns:r="http://schemas.openxmlformats.org/officeDocument/2006/relationships" xmlns:p="http://schemas.openxmlformats.org/presentationml/2006/main">
+  <p:cSld>
+    <p:spTree>
+      <p:nvGrpSpPr>
+        <p:cNvPr id="1" name=""/>
+        <p:cNvGrpSpPr/>
+        <p:nvPr/>
+      </p:nvGrpSpPr>
+      <p:grpSpPr>
+        <a:xfrm>
+          <a:off x="0" y="0"/>
+          <a:ext cx="0" cy="0"/>
+          <a:chOff x="0" y="0"/>
+          <a:chExt cx="0" cy="0"/>
+        </a:xfrm>
+      </p:grpSpPr>
+      <p:sp>
+        <p:nvSpPr>
+          <p:cNvPr id="2" name="Title 1">
+            <a:extLst>
+              <a:ext uri="{FF2B5EF4-FFF2-40B4-BE49-F238E27FC236}">
+                <a16:creationId xmlns:a16="http://schemas.microsoft.com/office/drawing/2014/main" id="{FF6A6CB2-D1B6-B94A-84C1-83C65423C650}"/>
+              </a:ext>
+            </a:extLst>
+          </p:cNvPr>
+          <p:cNvSpPr>
+            <a:spLocks noGrp="1"/>
+          </p:cNvSpPr>
+          <p:nvPr>
+            <p:ph type="title"/>
+          </p:nvPr>
+        </p:nvSpPr>
+        <p:spPr>
+          <a:xfrm>
+            <a:off x="831851" y="1709742"/>
+            <a:ext cx="10515600" cy="2852737"/>
+          </a:xfrm>
+          <a:prstGeom prst="rect">
+            <a:avLst/>
+          </a:prstGeom>
+        </p:spPr>
+        <p:txBody>
+          <a:bodyPr/>
+          <a:lstStyle/>
+          <a:p>
+            <a:pPr lvl="0" indent="0" marL="0">
+              <a:buNone/>
+            </a:pPr>
+            <a:r>
+              <a:rPr/>
+              <a:t>References</a:t>
+            </a:r>
+          </a:p>
+        </p:txBody>
+      </p:sp>
+    </p:spTree>
+  </p:cSld>
+</p:sld>
+</file>
+
+<file path=ppt/slides/slide35.xml><?xml version="1.0" encoding="utf-8"?>
+<p:sld xmlns:a="http://schemas.openxmlformats.org/drawingml/2006/main" xmlns:r="http://schemas.openxmlformats.org/officeDocument/2006/relationships" xmlns:p="http://schemas.openxmlformats.org/presentationml/2006/main">
+  <p:cSld>
+    <p:spTree>
+      <p:nvGrpSpPr>
+        <p:cNvPr id="1" name=""/>
+        <p:cNvGrpSpPr/>
+        <p:nvPr/>
+      </p:nvGrpSpPr>
+      <p:grpSpPr>
+        <a:xfrm>
+          <a:off x="0" y="0"/>
+          <a:ext cx="0" cy="0"/>
+          <a:chOff x="0" y="0"/>
+          <a:chExt cx="0" cy="0"/>
+        </a:xfrm>
+      </p:grpSpPr>
+      <p:sp>
+        <p:nvSpPr>
+          <p:cNvPr id="3" name="Content Placeholder 2">
+            <a:extLst>
+              <a:ext uri="{FF2B5EF4-FFF2-40B4-BE49-F238E27FC236}">
+                <a16:creationId xmlns:a16="http://schemas.microsoft.com/office/drawing/2014/main" id="{A4EB24F9-04F1-C843-9D71-56C5C024552B}"/>
+              </a:ext>
+            </a:extLst>
+          </p:cNvPr>
+          <p:cNvSpPr>
+            <a:spLocks noGrp="1"/>
+          </p:cNvSpPr>
+          <p:nvPr>
+            <p:ph idx="1"/>
+          </p:nvPr>
+        </p:nvSpPr>
+        <p:spPr/>
+        <p:txBody>
+          <a:bodyPr/>
+          <a:lstStyle/>
+          <a:p>
+            <a:pPr lvl="0" indent="0" marL="0">
+              <a:buNone/>
+            </a:pPr>
+            <a:r>
+              <a:rPr/>
+              <a:t>Andorsky, N. (2020). </a:t>
+            </a:r>
+            <a:r>
+              <a:rPr i="1"/>
+              <a:t>Decoding the why: How behavioral science is driving the next generation of product design</a:t>
+            </a:r>
+            <a:r>
+              <a:rPr/>
+              <a:t>.</a:t>
+            </a:r>
+          </a:p>
+          <a:p>
+            <a:pPr lvl="0" indent="0" marL="0">
+              <a:buNone/>
+            </a:pPr>
+            <a:r>
+              <a:rPr/>
+              <a:t>Datu, J. A. D., McInerney, D. M., Żemojtel-Piotrowska, M., Hitokoto, H., &amp; Datu, N. D. (2021). Is grittiness next to happiness? Examining the association of triarchic model of grit dimensions with well-being outcomes. </a:t>
+            </a:r>
+            <a:r>
+              <a:rPr i="1"/>
+              <a:t>Journal of Happiness Studies</a:t>
+            </a:r>
+            <a:r>
+              <a:rPr/>
+              <a:t>, </a:t>
+            </a:r>
+            <a:r>
+              <a:rPr i="1"/>
+              <a:t>22</a:t>
+            </a:r>
+            <a:r>
+              <a:rPr/>
+              <a:t>(2), 981–1009. </a:t>
+            </a:r>
+            <a:r>
+              <a:rPr>
+                <a:hlinkClick r:id="rId2"/>
+              </a:rPr>
+              <a:t>https://doi.org/10.1007/s10902-020-00260-6</a:t>
+            </a:r>
+          </a:p>
+          <a:p>
+            <a:pPr lvl="0" indent="0" marL="0">
+              <a:buNone/>
+            </a:pPr>
+            <a:r>
+              <a:rPr/>
+              <a:t>King, M. (2021). </a:t>
+            </a:r>
+            <a:r>
+              <a:rPr i="1"/>
+              <a:t>Social chemistry: Decoding the patterns of human connection</a:t>
+            </a:r>
+            <a:r>
+              <a:rPr/>
+              <a:t>. Dutton.</a:t>
+            </a:r>
+          </a:p>
+          <a:p>
+            <a:pPr lvl="0" indent="0" marL="0">
+              <a:buNone/>
+            </a:pPr>
+            <a:r>
+              <a:rPr/>
+              <a:t>Rice, L., Alquist, J. L., Penuliar, M., Donato, F. V., &amp; Price, M. M. (2021). Engaging students in a research methods writing lab online. </a:t>
+            </a:r>
+            <a:r>
+              <a:rPr i="1"/>
+              <a:t>Teaching of Psychology</a:t>
+            </a:r>
+            <a:r>
+              <a:rPr/>
+              <a:t>, </a:t>
+            </a:r>
+            <a:r>
+              <a:rPr i="1"/>
+              <a:t>48</a:t>
+            </a:r>
+            <a:r>
+              <a:rPr/>
+              <a:t>(1), 18–25. </a:t>
+            </a:r>
+            <a:r>
+              <a:rPr>
+                <a:hlinkClick r:id="rId3"/>
+              </a:rPr>
+              <a:t>https://doi.org/10.1177/0098628320959954</a:t>
+            </a:r>
+          </a:p>
+        </p:txBody>
+      </p:sp>
+    </p:spTree>
+  </p:cSld>
+</p:sld>
+</file>
+
+<file path=ppt/slides/slide4.xml><?xml version="1.0" encoding="utf-8"?>
+<p:sld xmlns:a="http://schemas.openxmlformats.org/drawingml/2006/main" xmlns:r="http://schemas.openxmlformats.org/officeDocument/2006/relationships" xmlns:p="http://schemas.openxmlformats.org/presentationml/2006/main">
+  <p:cSld>
+    <p:spTree>
+      <p:nvGrpSpPr>
+        <p:cNvPr id="1" name=""/>
+        <p:cNvGrpSpPr/>
+        <p:nvPr/>
+      </p:nvGrpSpPr>
+      <p:grpSpPr>
+        <a:xfrm>
+          <a:off x="0" y="0"/>
+          <a:ext cx="0" cy="0"/>
+          <a:chOff x="0" y="0"/>
+          <a:chExt cx="0" cy="0"/>
+        </a:xfrm>
+      </p:grpSpPr>
+      <p:sp>
+        <p:nvSpPr>
+          <p:cNvPr id="2" name="Title 1">
+            <a:extLst>
+              <a:ext uri="{FF2B5EF4-FFF2-40B4-BE49-F238E27FC236}">
+                <a16:creationId xmlns:a16="http://schemas.microsoft.com/office/drawing/2014/main" id="{DD9B8E45-0772-954C-8D4B-6E6808DFEDED}"/>
+              </a:ext>
+            </a:extLst>
+          </p:cNvPr>
+          <p:cNvSpPr>
+            <a:spLocks noGrp="1"/>
+          </p:cNvSpPr>
+          <p:nvPr>
+            <p:ph type="title"/>
+          </p:nvPr>
+        </p:nvSpPr>
+        <p:spPr>
+          <a:xfrm>
+            <a:off x="838200" y="365129"/>
+            <a:ext cx="10002520" cy="1325563"/>
+          </a:xfrm>
+          <a:prstGeom prst="rect">
+            <a:avLst/>
+          </a:prstGeom>
+        </p:spPr>
+        <p:txBody>
+          <a:bodyPr/>
+          <a:lstStyle/>
+          <a:p>
+            <a:pPr lvl="0" indent="0" marL="0">
+              <a:buNone/>
+            </a:pPr>
+            <a:r>
+              <a:rPr/>
+              <a:t>This year you become Scientists!</a:t>
+            </a:r>
+          </a:p>
+        </p:txBody>
+      </p:sp>
+      <p:sp>
+        <p:nvSpPr>
+          <p:cNvPr id="3" name="Content Placeholder 2">
+            <a:extLst>
+              <a:ext uri="{FF2B5EF4-FFF2-40B4-BE49-F238E27FC236}">
+                <a16:creationId xmlns:a16="http://schemas.microsoft.com/office/drawing/2014/main" id="{A4EB24F9-04F1-C843-9D71-56C5C024552B}"/>
+              </a:ext>
+            </a:extLst>
+          </p:cNvPr>
+          <p:cNvSpPr>
+            <a:spLocks noGrp="1"/>
+          </p:cNvSpPr>
+          <p:nvPr>
+            <p:ph idx="1"/>
+          </p:nvPr>
+        </p:nvSpPr>
+        <p:spPr/>
+        <p:txBody>
+          <a:bodyPr/>
+          <a:lstStyle/>
+          <a:p>
+            <a:pPr lvl="0" indent="0" marL="0">
+              <a:buNone/>
+            </a:pPr>
+            <a:r>
+              <a:rPr/>
+              <a:t>This year, in Research Methods, you will perform your first piece of REAL psychological research</a:t>
+            </a:r>
+          </a:p>
+          <a:p>
+            <a:pPr lvl="0" indent="0" marL="0">
+              <a:buNone/>
+            </a:pPr>
+            <a:r>
+              <a:rPr/>
+              <a:t>In groups, you will:</a:t>
+            </a:r>
+          </a:p>
+          <a:p>
+            <a:pPr lvl="0"/>
+            <a:r>
+              <a:rPr/>
+              <a:t>Identify an area of psychological research</a:t>
+            </a:r>
+          </a:p>
+          <a:p>
+            <a:pPr lvl="0"/>
+            <a:r>
+              <a:rPr/>
+              <a:t>Review and critique the literature in this area</a:t>
+            </a:r>
+          </a:p>
+          <a:p>
+            <a:pPr lvl="0"/>
+            <a:r>
+              <a:rPr/>
+              <a:t>Develop a testable hypothesis</a:t>
+            </a:r>
+          </a:p>
+          <a:p>
+            <a:pPr lvl="0"/>
+            <a:r>
+              <a:rPr/>
+              <a:t>Design a 2x2 ANOVA experiment unique to you (within your group study)</a:t>
+            </a:r>
+          </a:p>
+          <a:p>
+            <a:pPr lvl="0"/>
+            <a:r>
+              <a:rPr/>
+              <a:t>Obtain Ethical Approval for your experiment</a:t>
+            </a:r>
+          </a:p>
+          <a:p>
+            <a:pPr lvl="0"/>
+            <a:r>
+              <a:rPr/>
+              <a:t>Collect REAL data</a:t>
+            </a:r>
+          </a:p>
+          <a:p>
+            <a:pPr lvl="0"/>
+            <a:r>
+              <a:rPr/>
+              <a:t>Analyse these data</a:t>
+            </a:r>
+          </a:p>
+          <a:p>
+            <a:pPr lvl="0"/>
+            <a:r>
+              <a:rPr/>
+              <a:t>Write up the results in APA format</a:t>
+            </a:r>
+          </a:p>
+        </p:txBody>
+      </p:sp>
+    </p:spTree>
+  </p:cSld>
+</p:sld>
+</file>
+
 <file path=ppt/slides/slide5.xml><?xml version="1.0" encoding="utf-8"?>
 <p:sld xmlns:a="http://schemas.openxmlformats.org/drawingml/2006/main" xmlns:r="http://schemas.openxmlformats.org/officeDocument/2006/relationships" xmlns:p="http://schemas.openxmlformats.org/presentationml/2006/main">
   <p:cSld>
@@ -7813,7 +8592,7 @@
             </a:pPr>
             <a:r>
               <a:rPr/>
-              <a:t>Page with aside</a:t>
+              <a:t>A full overview will be given in the first lecture!</a:t>
             </a:r>
           </a:p>
         </p:txBody>
@@ -7844,16 +8623,7 @@
             </a:pPr>
             <a:r>
               <a:rPr/>
-              <a:t>Here is an important point</a:t>
-            </a:r>
-          </a:p>
-          <a:p>
-            <a:pPr lvl="0" indent="0" marL="0">
-              <a:buNone/>
-            </a:pPr>
-            <a:r>
-              <a:rPr/>
-              <a:t>Additional commentary.</a:t>
+              <a:t>Do not worry! It’s going to be a great adventure!</a:t>
             </a:r>
           </a:p>
         </p:txBody>
@@ -7914,7 +8684,7 @@
             </a:pPr>
             <a:r>
               <a:rPr/>
-              <a:t>Page with a note comment</a:t>
+              <a:t>A ‘warm up’ for your Y3 Dissertation</a:t>
             </a:r>
           </a:p>
         </p:txBody>
@@ -7940,30 +8710,52 @@
           <a:bodyPr/>
           <a:lstStyle/>
           <a:p>
-            <a:pPr lvl="0" indent="0" marL="0">
-              <a:buNone/>
-            </a:pPr>
-            <a:r>
-              <a:rPr/>
-              <a:t>Here is something I say</a:t>
-            </a:r>
-          </a:p>
-          <a:p>
-            <a:pPr lvl="0" indent="0" marL="1270000">
-              <a:buNone/>
-            </a:pPr>
-            <a:r>
-              <a:rPr sz="2000" b="1"/>
-              <a:t>Note</a:t>
-            </a:r>
-          </a:p>
-          <a:p>
-            <a:pPr lvl="0" indent="0" marL="1270000">
-              <a:buNone/>
-            </a:pPr>
-            <a:r>
-              <a:rPr sz="2000"/>
-              <a:t>This is very noteworthy</a:t>
+            <a:pPr lvl="0"/>
+            <a:r>
+              <a:rPr/>
+              <a:t>The same 20-week timeline</a:t>
+            </a:r>
+          </a:p>
+          <a:p>
+            <a:pPr lvl="0"/>
+            <a:r>
+              <a:rPr/>
+              <a:t>The same skills and techniques you will need</a:t>
+            </a:r>
+          </a:p>
+          <a:p>
+            <a:pPr lvl="0"/>
+            <a:r>
+              <a:rPr/>
+              <a:t>Careful step-by-step guidance and support in the lab setting</a:t>
+            </a:r>
+          </a:p>
+          <a:p>
+            <a:pPr lvl="0"/>
+            <a:r>
+              <a:rPr/>
+              <a:t>Scaled-down experiments and write-ups</a:t>
+            </a:r>
+          </a:p>
+          <a:p>
+            <a:pPr lvl="0"/>
+            <a:r>
+              <a:rPr/>
+              <a:t>The security of working in a group</a:t>
+            </a:r>
+          </a:p>
+          <a:p>
+            <a:pPr lvl="0"/>
+            <a:r>
+              <a:rPr/>
+              <a:t>Tips and advice from world-class researchers</a:t>
+            </a:r>
+          </a:p>
+          <a:p>
+            <a:pPr lvl="0"/>
+            <a:r>
+              <a:rPr/>
+              <a:t>Opportunity to think carefully about your final year Dissertation, and how to crush it!!</a:t>
             </a:r>
           </a:p>
         </p:txBody>
@@ -8024,7 +8816,7 @@
             </a:pPr>
             <a:r>
               <a:rPr/>
-              <a:t>Page with a warning</a:t>
+              <a:t>Support and guidance</a:t>
             </a:r>
           </a:p>
         </p:txBody>
@@ -8050,30 +8842,40 @@
           <a:bodyPr/>
           <a:lstStyle/>
           <a:p>
+            <a:pPr lvl="0"/>
+            <a:r>
+              <a:rPr/>
+              <a:t>Gordon Wright (Module Coordinator and floating Enthusiast in Chief)</a:t>
+            </a:r>
+          </a:p>
+          <a:p>
+            <a:pPr lvl="0"/>
+            <a:r>
+              <a:rPr/>
+              <a:t>7 gobsmackingly amazing Lab Tutors</a:t>
+            </a:r>
+          </a:p>
+          <a:p>
+            <a:pPr lvl="0"/>
+            <a:r>
+              <a:rPr/>
+              <a:t>Your Personal Tutor and your PT group</a:t>
+            </a:r>
+          </a:p>
+          <a:p>
+            <a:pPr lvl="0"/>
+            <a:r>
+              <a:rPr/>
+              <a:t>AND EACH OTHER!!</a:t>
+            </a:r>
+          </a:p>
+          <a:p>
             <a:pPr lvl="0" indent="0" marL="0">
               <a:buNone/>
             </a:pPr>
             <a:r>
               <a:rPr/>
-              <a:t>Here is something I say</a:t>
-            </a:r>
-          </a:p>
-          <a:p>
-            <a:pPr lvl="0" indent="0" marL="1270000">
-              <a:buNone/>
-            </a:pPr>
-            <a:r>
-              <a:rPr sz="2000" b="1"/>
-              <a:t>Warning</a:t>
-            </a:r>
-          </a:p>
-          <a:p>
-            <a:pPr lvl="0" indent="0" marL="1270000">
-              <a:buNone/>
-            </a:pPr>
-            <a:r>
-              <a:rPr sz="2000"/>
-              <a:t>Be WARNED!!</a:t>
+              <a:t>This is a team-sport</a:t>
             </a:r>
           </a:p>
         </p:txBody>
@@ -8134,7 +8936,7 @@
             </a:pPr>
             <a:r>
               <a:rPr/>
-              <a:t>Page with an important comment</a:t>
+              <a:t>me</a:t>
             </a:r>
           </a:p>
         </p:txBody>
@@ -8165,25 +8967,25 @@
             </a:pPr>
             <a:r>
               <a:rPr/>
-              <a:t>Here is something I say</a:t>
-            </a:r>
-          </a:p>
-          <a:p>
-            <a:pPr lvl="0" indent="0" marL="1270000">
-              <a:buNone/>
-            </a:pPr>
-            <a:r>
-              <a:rPr sz="2000" b="1"/>
-              <a:t>Important</a:t>
-            </a:r>
-          </a:p>
-          <a:p>
-            <a:pPr lvl="0" indent="0" marL="1270000">
-              <a:buNone/>
-            </a:pPr>
-            <a:r>
-              <a:rPr sz="2000"/>
-              <a:t>This is very Important</a:t>
+              <a:t>I will be in every Research Methods lecture and I have a Student Hour from 3-4 every Monday, before we all go to the Design &amp; Analysis lecture. Yup! Me too!</a:t>
+            </a:r>
+          </a:p>
+          <a:p>
+            <a:pPr lvl="0" indent="0" marL="0">
+              <a:buNone/>
+            </a:pPr>
+            <a:r>
+              <a:rPr/>
+              <a:t>Available at g.wright@gold.ac.uk</a:t>
+            </a:r>
+          </a:p>
+          <a:p>
+            <a:pPr lvl="0" indent="0" marL="0">
+              <a:buNone/>
+            </a:pPr>
+            <a:r>
+              <a:rPr/>
+              <a:t>I genuinely could not imagine anything I would rather do that this. Please talk to me!</a:t>
             </a:r>
           </a:p>
         </p:txBody>
@@ -8244,7 +9046,7 @@
             </a:pPr>
             <a:r>
               <a:rPr/>
-              <a:t>Page with a tip</a:t>
+              <a:t>Module weighting and assessment</a:t>
             </a:r>
           </a:p>
         </p:txBody>
@@ -8275,25 +9077,37 @@
             </a:pPr>
             <a:r>
               <a:rPr/>
-              <a:t>Here is something I say</a:t>
-            </a:r>
-          </a:p>
-          <a:p>
-            <a:pPr lvl="0" indent="0" marL="1270000">
-              <a:buNone/>
-            </a:pPr>
-            <a:r>
-              <a:rPr sz="2000" b="1"/>
-              <a:t>Tip</a:t>
-            </a:r>
-          </a:p>
-          <a:p>
-            <a:pPr lvl="0" indent="0" marL="1270000">
-              <a:buNone/>
-            </a:pPr>
-            <a:r>
-              <a:rPr sz="2000"/>
-              <a:t>This is a useful tip</a:t>
+              <a:t>Research Methods is a core module with a 30 credit weighting</a:t>
+            </a:r>
+          </a:p>
+          <a:p>
+            <a:pPr lvl="0" indent="0" marL="0">
+              <a:buNone/>
+            </a:pPr>
+            <a:r>
+              <a:rPr/>
+              <a:t>This means that in order to progress to Y3, you must pass all 3 assessment elements:</a:t>
+            </a:r>
+          </a:p>
+          <a:p>
+            <a:pPr lvl="0"/>
+            <a:r>
+              <a:rPr/>
+              <a:t>Critical Proposal 1,800 words (15%)</a:t>
+            </a:r>
+          </a:p>
+          <a:p>
+            <a:pPr lvl="0"/>
+            <a:r>
+              <a:rPr/>
+              <a:t>Mini-Dissertation 2,500 words (70%)</a:t>
+            </a:r>
+          </a:p>
+          <a:p>
+            <a:pPr lvl="0"/>
+            <a:r>
+              <a:rPr/>
+              <a:t>CHIP Learning Log 1,200 words (15%)</a:t>
             </a:r>
           </a:p>
         </p:txBody>

--- a/_site/lectures/Lecture01/Lecture01.pptx
+++ b/_site/lectures/Lecture01/Lecture01.pptx
@@ -5003,7 +5003,7 @@
             </a:pPr>
             <a:r>
               <a:rPr/>
-              <a:t>03, October, 2022</a:t>
+              <a:t>03 October, 2022</a:t>
             </a:r>
           </a:p>
         </p:txBody>

--- a/_site/lectures/Lecture01/Lecture01.pptx
+++ b/_site/lectures/Lecture01/Lecture01.pptx
@@ -5003,7 +5003,7 @@
             </a:pPr>
             <a:r>
               <a:rPr/>
-              <a:t>10/03/22</a:t>
+              <a:t>03 October, 2022</a:t>
             </a:r>
           </a:p>
         </p:txBody>

--- a/_site/lectures/Lecture01/Lecture01.pptx
+++ b/_site/lectures/Lecture01/Lecture01.pptx
@@ -5003,7 +5003,7 @@
             </a:pPr>
             <a:r>
               <a:rPr/>
-              <a:t>03 October, 2022</a:t>
+              <a:t>10/03/22</a:t>
             </a:r>
           </a:p>
         </p:txBody>
